--- a/class-09/Class 09.pptx
+++ b/class-09/Class 09.pptx
@@ -5,22 +5,19 @@
     <p:sldMasterId id="2147483685" r:id="rId1"/>
   </p:sldMasterIdLst>
   <p:notesMasterIdLst>
-    <p:notesMasterId r:id="rId15"/>
+    <p:notesMasterId r:id="rId12"/>
   </p:notesMasterIdLst>
   <p:sldIdLst>
     <p:sldId id="256" r:id="rId2"/>
     <p:sldId id="309" r:id="rId3"/>
-    <p:sldId id="310" r:id="rId4"/>
-    <p:sldId id="311" r:id="rId5"/>
-    <p:sldId id="312" r:id="rId6"/>
-    <p:sldId id="318" r:id="rId7"/>
-    <p:sldId id="319" r:id="rId8"/>
-    <p:sldId id="313" r:id="rId9"/>
-    <p:sldId id="314" r:id="rId10"/>
-    <p:sldId id="315" r:id="rId11"/>
-    <p:sldId id="316" r:id="rId12"/>
-    <p:sldId id="317" r:id="rId13"/>
-    <p:sldId id="321" r:id="rId14"/>
+    <p:sldId id="311" r:id="rId4"/>
+    <p:sldId id="312" r:id="rId5"/>
+    <p:sldId id="319" r:id="rId6"/>
+    <p:sldId id="313" r:id="rId7"/>
+    <p:sldId id="314" r:id="rId8"/>
+    <p:sldId id="316" r:id="rId9"/>
+    <p:sldId id="317" r:id="rId10"/>
+    <p:sldId id="321" r:id="rId11"/>
   </p:sldIdLst>
   <p:sldSz cx="12192000" cy="6858000"/>
   <p:notesSz cx="6858000" cy="9144000"/>
@@ -130,6 +127,7 @@
 <file path=ppt/revisionInfo.xml><?xml version="1.0" encoding="utf-8"?>
 <p1510:revInfo xmlns:a="http://schemas.openxmlformats.org/drawingml/2006/main" xmlns:r="http://schemas.openxmlformats.org/officeDocument/2006/relationships" xmlns:p1510="http://schemas.microsoft.com/office/powerpoint/2015/10/main">
   <p1510:revLst>
+    <p1510:client id="{6A5B83FE-8331-9A51-20B2-00770131DF88}" v="35" dt="2024-03-25T14:29:41.204"/>
     <p1510:client id="{C26A50E7-E735-441E-895F-B53F7178F5EC}" v="22" dt="2024-03-25T01:33:13.891"/>
   </p1510:revLst>
 </p1510:revInfo>
@@ -217,7 +215,7 @@
           <a:p>
             <a:fld id="{D390369B-9757-47DD-A743-0F9941B06C2E}" type="datetimeFigureOut">
               <a:rPr lang="en-US" smtClean="0"/>
-              <a:t>3/23/2024</a:t>
+              <a:t>3/25/2024</a:t>
             </a:fld>
             <a:endParaRPr lang="en-US"/>
           </a:p>
@@ -1228,7 +1226,7 @@
             <a:fld id="{B61BEF0D-F0BB-DE4B-95CE-6DB70DBA9567}" type="datetimeFigureOut">
               <a:rPr lang="en-US"/>
               <a:pPr/>
-              <a:t>3/23/2024</a:t>
+              <a:t>3/25/2024</a:t>
             </a:fld>
             <a:endParaRPr lang="en-US"/>
           </a:p>
@@ -1586,7 +1584,7 @@
             <a:fld id="{B61BEF0D-F0BB-DE4B-95CE-6DB70DBA9567}" type="datetimeFigureOut">
               <a:rPr lang="en-US"/>
               <a:pPr/>
-              <a:t>3/23/2024</a:t>
+              <a:t>3/25/2024</a:t>
             </a:fld>
             <a:endParaRPr lang="en-US"/>
           </a:p>
@@ -2007,7 +2005,7 @@
             <a:fld id="{B61BEF0D-F0BB-DE4B-95CE-6DB70DBA9567}" type="datetimeFigureOut">
               <a:rPr lang="en-US"/>
               <a:pPr/>
-              <a:t>3/23/2024</a:t>
+              <a:t>3/25/2024</a:t>
             </a:fld>
             <a:endParaRPr lang="en-US"/>
           </a:p>
@@ -2447,7 +2445,7 @@
             <a:fld id="{B61BEF0D-F0BB-DE4B-95CE-6DB70DBA9567}" type="datetimeFigureOut">
               <a:rPr lang="en-US"/>
               <a:pPr/>
-              <a:t>3/23/2024</a:t>
+              <a:t>3/25/2024</a:t>
             </a:fld>
             <a:endParaRPr lang="en-US"/>
           </a:p>
@@ -2868,7 +2866,7 @@
             <a:fld id="{B61BEF0D-F0BB-DE4B-95CE-6DB70DBA9567}" type="datetimeFigureOut">
               <a:rPr lang="en-US"/>
               <a:pPr/>
-              <a:t>3/23/2024</a:t>
+              <a:t>3/25/2024</a:t>
             </a:fld>
             <a:endParaRPr lang="en-US"/>
           </a:p>
@@ -3368,7 +3366,7 @@
             <a:fld id="{B61BEF0D-F0BB-DE4B-95CE-6DB70DBA9567}" type="datetimeFigureOut">
               <a:rPr lang="en-US"/>
               <a:pPr/>
-              <a:t>3/23/2024</a:t>
+              <a:t>3/25/2024</a:t>
             </a:fld>
             <a:endParaRPr lang="en-US"/>
           </a:p>
@@ -3643,7 +3641,7 @@
           <a:p>
             <a:fld id="{55C6B4A9-1611-4792-9094-5F34BCA07E0B}" type="datetimeFigureOut">
               <a:rPr lang="en-US"/>
-              <a:t>3/23/2024</a:t>
+              <a:t>3/25/2024</a:t>
             </a:fld>
             <a:endParaRPr lang="en-US"/>
           </a:p>
@@ -3929,7 +3927,7 @@
             <a:fld id="{B61BEF0D-F0BB-DE4B-95CE-6DB70DBA9567}" type="datetimeFigureOut">
               <a:rPr lang="en-US"/>
               <a:pPr/>
-              <a:t>3/23/2024</a:t>
+              <a:t>3/25/2024</a:t>
             </a:fld>
             <a:endParaRPr lang="en-US"/>
           </a:p>
@@ -4205,7 +4203,7 @@
             <a:fld id="{B61BEF0D-F0BB-DE4B-95CE-6DB70DBA9567}" type="datetimeFigureOut">
               <a:rPr lang="en-US"/>
               <a:pPr/>
-              <a:t>3/23/2024</a:t>
+              <a:t>3/25/2024</a:t>
             </a:fld>
             <a:endParaRPr lang="en-US"/>
           </a:p>
@@ -4559,7 +4557,7 @@
             <a:fld id="{B61BEF0D-F0BB-DE4B-95CE-6DB70DBA9567}" type="datetimeFigureOut">
               <a:rPr lang="en-US"/>
               <a:pPr/>
-              <a:t>3/23/2024</a:t>
+              <a:t>3/25/2024</a:t>
             </a:fld>
             <a:endParaRPr lang="en-US"/>
           </a:p>
@@ -4895,7 +4893,7 @@
           <a:p>
             <a:fld id="{EB712588-04B1-427B-82EE-E8DB90309F08}" type="datetimeFigureOut">
               <a:rPr lang="en-US"/>
-              <a:t>3/23/2024</a:t>
+              <a:t>3/25/2024</a:t>
             </a:fld>
             <a:endParaRPr lang="en-US"/>
           </a:p>
@@ -5374,7 +5372,7 @@
             <a:fld id="{B61BEF0D-F0BB-DE4B-95CE-6DB70DBA9567}" type="datetimeFigureOut">
               <a:rPr lang="en-US"/>
               <a:pPr/>
-              <a:t>3/23/2024</a:t>
+              <a:t>3/25/2024</a:t>
             </a:fld>
             <a:endParaRPr lang="en-US"/>
           </a:p>
@@ -5604,7 +5602,7 @@
             <a:fld id="{B61BEF0D-F0BB-DE4B-95CE-6DB70DBA9567}" type="datetimeFigureOut">
               <a:rPr lang="en-US"/>
               <a:pPr/>
-              <a:t>3/23/2024</a:t>
+              <a:t>3/25/2024</a:t>
             </a:fld>
             <a:endParaRPr lang="en-US"/>
           </a:p>
@@ -5807,7 +5805,7 @@
             <a:fld id="{B61BEF0D-F0BB-DE4B-95CE-6DB70DBA9567}" type="datetimeFigureOut">
               <a:rPr lang="en-US"/>
               <a:pPr/>
-              <a:t>3/23/2024</a:t>
+              <a:t>3/25/2024</a:t>
             </a:fld>
             <a:endParaRPr lang="en-US"/>
           </a:p>
@@ -6191,7 +6189,7 @@
           <a:p>
             <a:fld id="{42A54C80-263E-416B-A8E0-580EDEADCBDC}" type="datetimeFigureOut">
               <a:rPr lang="en-US"/>
-              <a:t>3/23/2024</a:t>
+              <a:t>3/25/2024</a:t>
             </a:fld>
             <a:endParaRPr lang="en-US"/>
           </a:p>
@@ -6579,7 +6577,7 @@
             <a:fld id="{B61BEF0D-F0BB-DE4B-95CE-6DB70DBA9567}" type="datetimeFigureOut">
               <a:rPr lang="en-US"/>
               <a:pPr/>
-              <a:t>3/23/2024</a:t>
+              <a:t>3/25/2024</a:t>
             </a:fld>
             <a:endParaRPr lang="en-US"/>
           </a:p>
@@ -7410,7 +7408,7 @@
             <a:fld id="{B61BEF0D-F0BB-DE4B-95CE-6DB70DBA9567}" type="datetimeFigureOut">
               <a:rPr lang="en-US"/>
               <a:pPr/>
-              <a:t>3/23/2024</a:t>
+              <a:t>3/25/2024</a:t>
             </a:fld>
             <a:endParaRPr lang="en-US"/>
           </a:p>
@@ -8138,7 +8136,7 @@
         <p:cNvPr id="1" name="">
           <a:extLst>
             <a:ext uri="{FF2B5EF4-FFF2-40B4-BE49-F238E27FC236}">
-              <a16:creationId xmlns:a16="http://schemas.microsoft.com/office/drawing/2014/main" id="{BE1C04DF-63A1-2443-597A-EC6595786D18}"/>
+              <a16:creationId xmlns:a16="http://schemas.microsoft.com/office/drawing/2014/main" id="{E4FF6DC3-D7B6-6D0B-BA75-46707949FB71}"/>
             </a:ext>
           </a:extLst>
         </p:cNvPr>
@@ -8158,7 +8156,7 @@
           <p:cNvPr id="2" name="Title 1">
             <a:extLst>
               <a:ext uri="{FF2B5EF4-FFF2-40B4-BE49-F238E27FC236}">
-                <a16:creationId xmlns:a16="http://schemas.microsoft.com/office/drawing/2014/main" id="{7CB02025-D146-CDEA-CD9C-CA67FE8D6B5D}"/>
+                <a16:creationId xmlns:a16="http://schemas.microsoft.com/office/drawing/2014/main" id="{1FF95183-E3A8-B9E9-06EC-CC5DD47902E7}"/>
               </a:ext>
             </a:extLst>
           </p:cNvPr>
@@ -8176,7 +8174,7 @@
           <a:p>
             <a:r>
               <a:rPr lang="en-US" dirty="0"/>
-              <a:t>Encapsulation within a Model</a:t>
+              <a:t>Simulation Architecture</a:t>
             </a:r>
           </a:p>
         </p:txBody>
@@ -8186,7 +8184,7 @@
           <p:cNvPr id="3" name="Content Placeholder 2">
             <a:extLst>
               <a:ext uri="{FF2B5EF4-FFF2-40B4-BE49-F238E27FC236}">
-                <a16:creationId xmlns:a16="http://schemas.microsoft.com/office/drawing/2014/main" id="{49AFA176-C2F2-8F4D-24EE-A4A1B5FCC9F6}"/>
+                <a16:creationId xmlns:a16="http://schemas.microsoft.com/office/drawing/2014/main" id="{7A50BD64-C25D-87FF-0381-2FEFD0571985}"/>
               </a:ext>
             </a:extLst>
           </p:cNvPr>
@@ -8205,13 +8203,34 @@
         </p:spPr>
         <p:txBody>
           <a:bodyPr>
-            <a:normAutofit fontScale="92500" lnSpcReduction="10000"/>
+            <a:normAutofit/>
           </a:bodyPr>
           <a:lstStyle/>
           <a:p>
             <a:r>
+              <a:rPr lang="en-US" b="1" dirty="0"/>
+              <a:t>main</a:t>
+            </a:r>
+            <a:r>
               <a:rPr lang="en-US" dirty="0"/>
-              <a:t>Why wouldn’t we have a main function though? Well, it depends.</a:t>
+              <a:t> and </a:t>
+            </a:r>
+            <a:r>
+              <a:rPr lang="en-US" b="1" dirty="0"/>
+              <a:t>dashboard</a:t>
+            </a:r>
+            <a:r>
+              <a:rPr lang="en-US" dirty="0"/>
+              <a:t> are called consumers, or users, of the model.</a:t>
+            </a:r>
+          </a:p>
+          <a:p>
+            <a:endParaRPr lang="en-US" b="1" dirty="0"/>
+          </a:p>
+          <a:p>
+            <a:r>
+              <a:rPr lang="en-US" dirty="0"/>
+              <a:t>They are responsible for creating, initializing, updating, and finalizing the model.</a:t>
             </a:r>
           </a:p>
           <a:p>
@@ -8219,77 +8238,38 @@
           </a:p>
           <a:p>
             <a:r>
-              <a:rPr lang="en-US" b="1" i="1" u="sng" dirty="0"/>
-              <a:t>We ultimately want to run our models and visualize them.</a:t>
-            </a:r>
-          </a:p>
-          <a:p>
-            <a:endParaRPr lang="en-US" dirty="0"/>
-          </a:p>
-          <a:p>
-            <a:r>
               <a:rPr lang="en-US" dirty="0"/>
-              <a:t>To do this we need to run the model and make sure it </a:t>
-            </a:r>
-            <a:r>
-              <a:rPr lang="en-US" i="1" dirty="0"/>
-              <a:t>outputs</a:t>
+              <a:t>As the model updates, the consumer will pull data from the model and do something with it.</a:t>
+            </a:r>
+          </a:p>
+          <a:p>
+            <a:pPr lvl="1"/>
+            <a:r>
+              <a:rPr lang="en-US" b="1" dirty="0"/>
+              <a:t>main </a:t>
             </a:r>
             <a:r>
               <a:rPr lang="en-US" dirty="0"/>
-              <a:t> some data. There are problems with this approach though:</a:t>
+              <a:t>will typically log the data</a:t>
             </a:r>
           </a:p>
           <a:p>
             <a:pPr lvl="1"/>
             <a:r>
+              <a:rPr lang="en-US" b="1" dirty="0"/>
+              <a:t>dashboard </a:t>
+            </a:r>
+            <a:r>
               <a:rPr lang="en-US" dirty="0"/>
-              <a:t>What if it takes an obnoxiously long time to run the simulation to completion?</a:t>
-            </a:r>
-          </a:p>
-          <a:p>
-            <a:pPr lvl="1"/>
-            <a:r>
-              <a:rPr lang="en-US" dirty="0"/>
-              <a:t>What if you do not want the simulation to explicitly end after some amount of time?</a:t>
-            </a:r>
-          </a:p>
-          <a:p>
-            <a:pPr lvl="1"/>
-            <a:r>
-              <a:rPr lang="en-US" dirty="0"/>
-              <a:t>What if the simulation ends prematurely and the data is incomplete?</a:t>
-            </a:r>
-          </a:p>
-          <a:p>
-            <a:pPr lvl="1"/>
-            <a:endParaRPr lang="en-US" dirty="0"/>
-          </a:p>
-          <a:p>
-            <a:r>
-              <a:rPr lang="en-US" dirty="0"/>
-              <a:t>These two problems yield two requirements: we want to visualize our data </a:t>
-            </a:r>
-            <a:r>
-              <a:rPr lang="en-US" i="1" dirty="0"/>
-              <a:t>as it is being produced</a:t>
-            </a:r>
-            <a:r>
-              <a:rPr lang="en-US" dirty="0"/>
-              <a:t> and we want to run our simulations </a:t>
-            </a:r>
-            <a:r>
-              <a:rPr lang="en-US" i="1" dirty="0"/>
-              <a:t>potentially without a defined end time.</a:t>
-            </a:r>
-            <a:endParaRPr lang="en-US" dirty="0"/>
+              <a:t>will typically visualize the data</a:t>
+            </a:r>
           </a:p>
         </p:txBody>
       </p:sp>
     </p:spTree>
     <p:extLst>
       <p:ext uri="{BB962C8B-B14F-4D97-AF65-F5344CB8AC3E}">
-        <p14:creationId xmlns:p14="http://schemas.microsoft.com/office/powerpoint/2010/main" val="2040027535"/>
+        <p14:creationId xmlns:p14="http://schemas.microsoft.com/office/powerpoint/2010/main" val="4068639796"/>
       </p:ext>
     </p:extLst>
   </p:cSld>
@@ -8299,7 +8279,1403 @@
 </p:sld>
 </file>
 
-<file path=ppt/slides/slide11.xml><?xml version="1.0" encoding="utf-8"?>
+<file path=ppt/slides/slide2.xml><?xml version="1.0" encoding="utf-8"?>
+<p:sld xmlns:a="http://schemas.openxmlformats.org/drawingml/2006/main" xmlns:r="http://schemas.openxmlformats.org/officeDocument/2006/relationships" xmlns:p="http://schemas.openxmlformats.org/presentationml/2006/main">
+  <p:cSld>
+    <p:spTree>
+      <p:nvGrpSpPr>
+        <p:cNvPr id="1" name=""/>
+        <p:cNvGrpSpPr/>
+        <p:nvPr/>
+      </p:nvGrpSpPr>
+      <p:grpSpPr>
+        <a:xfrm>
+          <a:off x="0" y="0"/>
+          <a:ext cx="0" cy="0"/>
+          <a:chOff x="0" y="0"/>
+          <a:chExt cx="0" cy="0"/>
+        </a:xfrm>
+      </p:grpSpPr>
+      <p:sp>
+        <p:nvSpPr>
+          <p:cNvPr id="2" name="Title 1">
+            <a:extLst>
+              <a:ext uri="{FF2B5EF4-FFF2-40B4-BE49-F238E27FC236}">
+                <a16:creationId xmlns:a16="http://schemas.microsoft.com/office/drawing/2014/main" id="{49B87735-A3B4-2C2B-B5DE-5FC32B620056}"/>
+              </a:ext>
+            </a:extLst>
+          </p:cNvPr>
+          <p:cNvSpPr>
+            <a:spLocks noGrp="1"/>
+          </p:cNvSpPr>
+          <p:nvPr>
+            <p:ph type="title"/>
+          </p:nvPr>
+        </p:nvSpPr>
+        <p:spPr/>
+        <p:txBody>
+          <a:bodyPr/>
+          <a:lstStyle/>
+          <a:p>
+            <a:r>
+              <a:rPr lang="en-US" dirty="0"/>
+              <a:t>Simulation Architecture</a:t>
+            </a:r>
+          </a:p>
+        </p:txBody>
+      </p:sp>
+      <p:sp>
+        <p:nvSpPr>
+          <p:cNvPr id="5" name="Content Placeholder 2">
+            <a:extLst>
+              <a:ext uri="{FF2B5EF4-FFF2-40B4-BE49-F238E27FC236}">
+                <a16:creationId xmlns:a16="http://schemas.microsoft.com/office/drawing/2014/main" id="{90AD33F1-E418-6A61-49CD-C2FEF6A5684A}"/>
+              </a:ext>
+            </a:extLst>
+          </p:cNvPr>
+          <p:cNvSpPr txBox="1">
+            <a:spLocks/>
+          </p:cNvSpPr>
+          <p:nvPr/>
+        </p:nvSpPr>
+        <p:spPr>
+          <a:xfrm>
+            <a:off x="677334" y="2160589"/>
+            <a:ext cx="8596668" cy="3880773"/>
+          </a:xfrm>
+          <a:prstGeom prst="rect">
+            <a:avLst/>
+          </a:prstGeom>
+        </p:spPr>
+        <p:txBody>
+          <a:bodyPr vert="horz" lIns="91440" tIns="45720" rIns="91440" bIns="45720" rtlCol="0" anchor="t">
+            <a:normAutofit fontScale="92500" lnSpcReduction="10000"/>
+          </a:bodyPr>
+          <a:lstStyle>
+            <a:lvl1pPr marL="342900" indent="-342900" algn="l" defTabSz="457200" rtl="0" eaLnBrk="1" latinLnBrk="0" hangingPunct="1">
+              <a:spcBef>
+                <a:spcPts val="1000"/>
+              </a:spcBef>
+              <a:spcAft>
+                <a:spcPts val="0"/>
+              </a:spcAft>
+              <a:buClr>
+                <a:schemeClr val="accent1"/>
+              </a:buClr>
+              <a:buSzPct val="80000"/>
+              <a:buFont typeface="Wingdings 3" charset="2"/>
+              <a:buChar char=""/>
+              <a:defRPr sz="1800" kern="1200">
+                <a:solidFill>
+                  <a:schemeClr val="tx1">
+                    <a:lumMod val="75000"/>
+                    <a:lumOff val="25000"/>
+                  </a:schemeClr>
+                </a:solidFill>
+                <a:latin typeface="+mn-lt"/>
+                <a:ea typeface="+mn-ea"/>
+                <a:cs typeface="+mn-cs"/>
+              </a:defRPr>
+            </a:lvl1pPr>
+            <a:lvl2pPr marL="742950" indent="-285750" algn="l" defTabSz="457200" rtl="0" eaLnBrk="1" latinLnBrk="0" hangingPunct="1">
+              <a:spcBef>
+                <a:spcPts val="1000"/>
+              </a:spcBef>
+              <a:spcAft>
+                <a:spcPts val="0"/>
+              </a:spcAft>
+              <a:buClr>
+                <a:schemeClr val="accent1"/>
+              </a:buClr>
+              <a:buSzPct val="80000"/>
+              <a:buFont typeface="Wingdings 3" charset="2"/>
+              <a:buChar char=""/>
+              <a:defRPr sz="1600" kern="1200">
+                <a:solidFill>
+                  <a:schemeClr val="tx1">
+                    <a:lumMod val="75000"/>
+                    <a:lumOff val="25000"/>
+                  </a:schemeClr>
+                </a:solidFill>
+                <a:latin typeface="+mn-lt"/>
+                <a:ea typeface="+mn-ea"/>
+                <a:cs typeface="+mn-cs"/>
+              </a:defRPr>
+            </a:lvl2pPr>
+            <a:lvl3pPr marL="1143000" indent="-228600" algn="l" defTabSz="457200" rtl="0" eaLnBrk="1" latinLnBrk="0" hangingPunct="1">
+              <a:spcBef>
+                <a:spcPts val="1000"/>
+              </a:spcBef>
+              <a:spcAft>
+                <a:spcPts val="0"/>
+              </a:spcAft>
+              <a:buClr>
+                <a:schemeClr val="accent1"/>
+              </a:buClr>
+              <a:buSzPct val="80000"/>
+              <a:buFont typeface="Wingdings 3" charset="2"/>
+              <a:buChar char=""/>
+              <a:defRPr sz="1400" kern="1200">
+                <a:solidFill>
+                  <a:schemeClr val="tx1">
+                    <a:lumMod val="75000"/>
+                    <a:lumOff val="25000"/>
+                  </a:schemeClr>
+                </a:solidFill>
+                <a:latin typeface="+mn-lt"/>
+                <a:ea typeface="+mn-ea"/>
+                <a:cs typeface="+mn-cs"/>
+              </a:defRPr>
+            </a:lvl3pPr>
+            <a:lvl4pPr marL="1600200" indent="-228600" algn="l" defTabSz="457200" rtl="0" eaLnBrk="1" latinLnBrk="0" hangingPunct="1">
+              <a:spcBef>
+                <a:spcPts val="1000"/>
+              </a:spcBef>
+              <a:spcAft>
+                <a:spcPts val="0"/>
+              </a:spcAft>
+              <a:buClr>
+                <a:schemeClr val="accent1"/>
+              </a:buClr>
+              <a:buSzPct val="80000"/>
+              <a:buFont typeface="Wingdings 3" charset="2"/>
+              <a:buChar char=""/>
+              <a:defRPr sz="1200" kern="1200">
+                <a:solidFill>
+                  <a:schemeClr val="tx1">
+                    <a:lumMod val="75000"/>
+                    <a:lumOff val="25000"/>
+                  </a:schemeClr>
+                </a:solidFill>
+                <a:latin typeface="+mn-lt"/>
+                <a:ea typeface="+mn-ea"/>
+                <a:cs typeface="+mn-cs"/>
+              </a:defRPr>
+            </a:lvl4pPr>
+            <a:lvl5pPr marL="2057400" indent="-228600" algn="l" defTabSz="457200" rtl="0" eaLnBrk="1" latinLnBrk="0" hangingPunct="1">
+              <a:spcBef>
+                <a:spcPts val="1000"/>
+              </a:spcBef>
+              <a:spcAft>
+                <a:spcPts val="0"/>
+              </a:spcAft>
+              <a:buClr>
+                <a:schemeClr val="accent1"/>
+              </a:buClr>
+              <a:buSzPct val="80000"/>
+              <a:buFont typeface="Wingdings 3" charset="2"/>
+              <a:buChar char=""/>
+              <a:defRPr sz="1200" kern="1200">
+                <a:solidFill>
+                  <a:schemeClr val="tx1">
+                    <a:lumMod val="75000"/>
+                    <a:lumOff val="25000"/>
+                  </a:schemeClr>
+                </a:solidFill>
+                <a:latin typeface="+mn-lt"/>
+                <a:ea typeface="+mn-ea"/>
+                <a:cs typeface="+mn-cs"/>
+              </a:defRPr>
+            </a:lvl5pPr>
+            <a:lvl6pPr marL="2514600" indent="-228600" algn="l" defTabSz="457200" rtl="0" eaLnBrk="1" latinLnBrk="0" hangingPunct="1">
+              <a:spcBef>
+                <a:spcPts val="1000"/>
+              </a:spcBef>
+              <a:spcAft>
+                <a:spcPts val="0"/>
+              </a:spcAft>
+              <a:buClr>
+                <a:schemeClr val="accent1"/>
+              </a:buClr>
+              <a:buSzPct val="80000"/>
+              <a:buFont typeface="Wingdings 3" charset="2"/>
+              <a:buChar char=""/>
+              <a:defRPr sz="1200" kern="1200">
+                <a:solidFill>
+                  <a:schemeClr val="tx1">
+                    <a:lumMod val="75000"/>
+                    <a:lumOff val="25000"/>
+                  </a:schemeClr>
+                </a:solidFill>
+                <a:latin typeface="+mn-lt"/>
+                <a:ea typeface="+mn-ea"/>
+                <a:cs typeface="+mn-cs"/>
+              </a:defRPr>
+            </a:lvl6pPr>
+            <a:lvl7pPr marL="2971800" indent="-228600" algn="l" defTabSz="457200" rtl="0" eaLnBrk="1" latinLnBrk="0" hangingPunct="1">
+              <a:spcBef>
+                <a:spcPts val="1000"/>
+              </a:spcBef>
+              <a:spcAft>
+                <a:spcPts val="0"/>
+              </a:spcAft>
+              <a:buClr>
+                <a:schemeClr val="accent1"/>
+              </a:buClr>
+              <a:buSzPct val="80000"/>
+              <a:buFont typeface="Wingdings 3" charset="2"/>
+              <a:buChar char=""/>
+              <a:defRPr sz="1200" kern="1200">
+                <a:solidFill>
+                  <a:schemeClr val="tx1">
+                    <a:lumMod val="75000"/>
+                    <a:lumOff val="25000"/>
+                  </a:schemeClr>
+                </a:solidFill>
+                <a:latin typeface="+mn-lt"/>
+                <a:ea typeface="+mn-ea"/>
+                <a:cs typeface="+mn-cs"/>
+              </a:defRPr>
+            </a:lvl7pPr>
+            <a:lvl8pPr marL="3429000" indent="-228600" algn="l" defTabSz="457200" rtl="0" eaLnBrk="1" latinLnBrk="0" hangingPunct="1">
+              <a:spcBef>
+                <a:spcPts val="1000"/>
+              </a:spcBef>
+              <a:spcAft>
+                <a:spcPts val="0"/>
+              </a:spcAft>
+              <a:buClr>
+                <a:schemeClr val="accent1"/>
+              </a:buClr>
+              <a:buSzPct val="80000"/>
+              <a:buFont typeface="Wingdings 3" charset="2"/>
+              <a:buChar char=""/>
+              <a:defRPr sz="1200" kern="1200">
+                <a:solidFill>
+                  <a:schemeClr val="tx1">
+                    <a:lumMod val="75000"/>
+                    <a:lumOff val="25000"/>
+                  </a:schemeClr>
+                </a:solidFill>
+                <a:latin typeface="+mn-lt"/>
+                <a:ea typeface="+mn-ea"/>
+                <a:cs typeface="+mn-cs"/>
+              </a:defRPr>
+            </a:lvl8pPr>
+            <a:lvl9pPr marL="3886200" indent="-228600" algn="l" defTabSz="457200" rtl="0" eaLnBrk="1" latinLnBrk="0" hangingPunct="1">
+              <a:spcBef>
+                <a:spcPts val="1000"/>
+              </a:spcBef>
+              <a:spcAft>
+                <a:spcPts val="0"/>
+              </a:spcAft>
+              <a:buClr>
+                <a:schemeClr val="accent1"/>
+              </a:buClr>
+              <a:buSzPct val="80000"/>
+              <a:buFont typeface="Wingdings 3" charset="2"/>
+              <a:buChar char=""/>
+              <a:defRPr sz="1200" kern="1200">
+                <a:solidFill>
+                  <a:schemeClr val="tx1">
+                    <a:lumMod val="75000"/>
+                    <a:lumOff val="25000"/>
+                  </a:schemeClr>
+                </a:solidFill>
+                <a:latin typeface="+mn-lt"/>
+                <a:ea typeface="+mn-ea"/>
+                <a:cs typeface="+mn-cs"/>
+              </a:defRPr>
+            </a:lvl9pPr>
+          </a:lstStyle>
+          <a:p>
+            <a:r>
+              <a:rPr lang="en-US" sz="1700" dirty="0"/>
+              <a:t>At this moment in the semester, we are mostly done learning new C++. </a:t>
+            </a:r>
+            <a:r>
+              <a:rPr lang="en-US" sz="1500" dirty="0"/>
+              <a:t>Anything we learn will just be minor details building onto what we already know.</a:t>
+            </a:r>
+            <a:endParaRPr lang="en-US" sz="1500" dirty="0">
+              <a:solidFill>
+                <a:srgbClr val="000000"/>
+              </a:solidFill>
+            </a:endParaRPr>
+          </a:p>
+          <a:p>
+            <a:pPr lvl="1">
+              <a:buFont typeface="Courier New,monospace" charset="2"/>
+              <a:buChar char="o"/>
+            </a:pPr>
+            <a:endParaRPr lang="en-US" sz="1700" dirty="0"/>
+          </a:p>
+          <a:p>
+            <a:r>
+              <a:rPr lang="en-US" sz="1900" dirty="0"/>
+              <a:t>We can now talk about how we should be structuring more capable simulations.</a:t>
+            </a:r>
+            <a:endParaRPr lang="en-US" sz="1700" dirty="0">
+              <a:solidFill>
+                <a:srgbClr val="000000"/>
+              </a:solidFill>
+            </a:endParaRPr>
+          </a:p>
+          <a:p>
+            <a:endParaRPr lang="en-US" sz="1700" dirty="0"/>
+          </a:p>
+          <a:p>
+            <a:r>
+              <a:rPr lang="en-US" sz="1700" dirty="0"/>
+              <a:t>We have written C++ programs with very basic structures thus far, but we can do much better.</a:t>
+            </a:r>
+            <a:endParaRPr lang="en-US" sz="1700" dirty="0">
+              <a:solidFill>
+                <a:srgbClr val="000000"/>
+              </a:solidFill>
+            </a:endParaRPr>
+          </a:p>
+          <a:p>
+            <a:endParaRPr lang="en-US" sz="1700" dirty="0"/>
+          </a:p>
+          <a:p>
+            <a:r>
+              <a:rPr lang="en-US" sz="1700" dirty="0"/>
+              <a:t>Our goals are simple:</a:t>
+            </a:r>
+            <a:endParaRPr lang="en-US" sz="1700" dirty="0">
+              <a:solidFill>
+                <a:srgbClr val="000000"/>
+              </a:solidFill>
+            </a:endParaRPr>
+          </a:p>
+          <a:p>
+            <a:pPr lvl="1">
+              <a:buFont typeface="Courier New,monospace" charset="2"/>
+              <a:buChar char="o"/>
+            </a:pPr>
+            <a:r>
+              <a:rPr lang="en-US" sz="1500" dirty="0"/>
+              <a:t>We want to </a:t>
+            </a:r>
+            <a:r>
+              <a:rPr lang="en-US" sz="1500" i="1" dirty="0"/>
+              <a:t>configure </a:t>
+            </a:r>
+            <a:r>
+              <a:rPr lang="en-US" sz="1500" dirty="0"/>
+              <a:t>our simulations without needing to recompile them</a:t>
+            </a:r>
+            <a:endParaRPr lang="en-US" sz="1500">
+              <a:solidFill>
+                <a:srgbClr val="000000"/>
+              </a:solidFill>
+            </a:endParaRPr>
+          </a:p>
+          <a:p>
+            <a:pPr lvl="1">
+              <a:buFont typeface="Courier New,monospace" charset="2"/>
+              <a:buChar char="o"/>
+            </a:pPr>
+            <a:r>
+              <a:rPr lang="en-US" sz="1500" dirty="0"/>
+              <a:t>We want to encapsulate our simulations within a </a:t>
+            </a:r>
+            <a:r>
+              <a:rPr lang="en-US" sz="1500" i="1" dirty="0"/>
+              <a:t>model</a:t>
+            </a:r>
+            <a:endParaRPr lang="en-US" sz="1500" dirty="0">
+              <a:solidFill>
+                <a:srgbClr val="000000"/>
+              </a:solidFill>
+            </a:endParaRPr>
+          </a:p>
+          <a:p>
+            <a:pPr>
+              <a:buFont typeface="Courier New,monospace" charset="2"/>
+              <a:buChar char="o"/>
+            </a:pPr>
+            <a:endParaRPr lang="en-US" sz="1700" dirty="0">
+              <a:solidFill>
+                <a:srgbClr val="000000"/>
+              </a:solidFill>
+            </a:endParaRPr>
+          </a:p>
+          <a:p>
+            <a:endParaRPr lang="en-US" dirty="0"/>
+          </a:p>
+        </p:txBody>
+      </p:sp>
+    </p:spTree>
+    <p:extLst>
+      <p:ext uri="{BB962C8B-B14F-4D97-AF65-F5344CB8AC3E}">
+        <p14:creationId xmlns:p14="http://schemas.microsoft.com/office/powerpoint/2010/main" val="1120265853"/>
+      </p:ext>
+    </p:extLst>
+  </p:cSld>
+  <p:clrMapOvr>
+    <a:masterClrMapping/>
+  </p:clrMapOvr>
+</p:sld>
+</file>
+
+<file path=ppt/slides/slide3.xml><?xml version="1.0" encoding="utf-8"?>
+<p:sld xmlns:a="http://schemas.openxmlformats.org/drawingml/2006/main" xmlns:r="http://schemas.openxmlformats.org/officeDocument/2006/relationships" xmlns:p="http://schemas.openxmlformats.org/presentationml/2006/main">
+  <p:cSld>
+    <p:spTree>
+      <p:nvGrpSpPr>
+        <p:cNvPr id="1" name=""/>
+        <p:cNvGrpSpPr/>
+        <p:nvPr/>
+      </p:nvGrpSpPr>
+      <p:grpSpPr>
+        <a:xfrm>
+          <a:off x="0" y="0"/>
+          <a:ext cx="0" cy="0"/>
+          <a:chOff x="0" y="0"/>
+          <a:chExt cx="0" cy="0"/>
+        </a:xfrm>
+      </p:grpSpPr>
+      <p:sp>
+        <p:nvSpPr>
+          <p:cNvPr id="2" name="Title 1">
+            <a:extLst>
+              <a:ext uri="{FF2B5EF4-FFF2-40B4-BE49-F238E27FC236}">
+                <a16:creationId xmlns:a16="http://schemas.microsoft.com/office/drawing/2014/main" id="{B6207FC9-231F-2F4D-051B-02AEA9F53B3D}"/>
+              </a:ext>
+            </a:extLst>
+          </p:cNvPr>
+          <p:cNvSpPr>
+            <a:spLocks noGrp="1"/>
+          </p:cNvSpPr>
+          <p:nvPr>
+            <p:ph type="title"/>
+          </p:nvPr>
+        </p:nvSpPr>
+        <p:spPr/>
+        <p:txBody>
+          <a:bodyPr/>
+          <a:lstStyle/>
+          <a:p>
+            <a:r>
+              <a:rPr lang="en-US" dirty="0"/>
+              <a:t>Configuring Simulations</a:t>
+            </a:r>
+            <a:endParaRPr lang="en-US" dirty="0">
+              <a:solidFill>
+                <a:srgbClr val="000000"/>
+              </a:solidFill>
+            </a:endParaRPr>
+          </a:p>
+          <a:p>
+            <a:endParaRPr lang="en-US" dirty="0"/>
+          </a:p>
+        </p:txBody>
+      </p:sp>
+      <p:sp>
+        <p:nvSpPr>
+          <p:cNvPr id="3" name="Content Placeholder 2">
+            <a:extLst>
+              <a:ext uri="{FF2B5EF4-FFF2-40B4-BE49-F238E27FC236}">
+                <a16:creationId xmlns:a16="http://schemas.microsoft.com/office/drawing/2014/main" id="{5FC30C38-4530-8E66-5698-7DB3F09B9ADD}"/>
+              </a:ext>
+            </a:extLst>
+          </p:cNvPr>
+          <p:cNvSpPr>
+            <a:spLocks noGrp="1"/>
+          </p:cNvSpPr>
+          <p:nvPr>
+            <p:ph idx="1"/>
+          </p:nvPr>
+        </p:nvSpPr>
+        <p:spPr/>
+        <p:txBody>
+          <a:bodyPr vert="horz" lIns="91440" tIns="45720" rIns="91440" bIns="45720" rtlCol="0" anchor="t">
+            <a:normAutofit/>
+          </a:bodyPr>
+          <a:lstStyle/>
+          <a:p>
+            <a:r>
+              <a:rPr lang="en-US" dirty="0"/>
+              <a:t>Configuring simulations is done by passing data into our simulations </a:t>
+            </a:r>
+            <a:r>
+              <a:rPr lang="en-US" i="1" dirty="0"/>
+              <a:t>when we execute the program</a:t>
+            </a:r>
+            <a:r>
+              <a:rPr lang="en-US" dirty="0"/>
+              <a:t>.</a:t>
+            </a:r>
+          </a:p>
+          <a:p>
+            <a:endParaRPr lang="en-US" i="1" dirty="0"/>
+          </a:p>
+          <a:p>
+            <a:r>
+              <a:rPr lang="en-US" dirty="0"/>
+              <a:t>Using </a:t>
+            </a:r>
+            <a:r>
+              <a:rPr lang="en-US" i="1" dirty="0"/>
+              <a:t>std::cin</a:t>
+            </a:r>
+            <a:r>
+              <a:rPr lang="en-US" dirty="0"/>
+              <a:t> however is extremely clunky; what if we need to supply a few dozen different parameters?</a:t>
+            </a:r>
+          </a:p>
+          <a:p>
+            <a:endParaRPr lang="en-US" dirty="0"/>
+          </a:p>
+          <a:p>
+            <a:r>
+              <a:rPr lang="en-US" dirty="0"/>
+              <a:t>We can use </a:t>
+            </a:r>
+            <a:r>
+              <a:rPr lang="en-US" i="1" dirty="0"/>
+              <a:t>configuration files</a:t>
+            </a:r>
+            <a:endParaRPr lang="en-US" dirty="0"/>
+          </a:p>
+        </p:txBody>
+      </p:sp>
+    </p:spTree>
+    <p:extLst>
+      <p:ext uri="{BB962C8B-B14F-4D97-AF65-F5344CB8AC3E}">
+        <p14:creationId xmlns:p14="http://schemas.microsoft.com/office/powerpoint/2010/main" val="282801038"/>
+      </p:ext>
+    </p:extLst>
+  </p:cSld>
+  <p:clrMapOvr>
+    <a:masterClrMapping/>
+  </p:clrMapOvr>
+</p:sld>
+</file>
+
+<file path=ppt/slides/slide4.xml><?xml version="1.0" encoding="utf-8"?>
+<p:sld xmlns:a="http://schemas.openxmlformats.org/drawingml/2006/main" xmlns:r="http://schemas.openxmlformats.org/officeDocument/2006/relationships" xmlns:p="http://schemas.openxmlformats.org/presentationml/2006/main">
+  <p:cSld>
+    <p:spTree>
+      <p:nvGrpSpPr>
+        <p:cNvPr id="1" name="">
+          <a:extLst>
+            <a:ext uri="{FF2B5EF4-FFF2-40B4-BE49-F238E27FC236}">
+              <a16:creationId xmlns:a16="http://schemas.microsoft.com/office/drawing/2014/main" id="{385C4749-45F3-BAED-DE8D-27AD1833A3D4}"/>
+            </a:ext>
+          </a:extLst>
+        </p:cNvPr>
+        <p:cNvGrpSpPr/>
+        <p:nvPr/>
+      </p:nvGrpSpPr>
+      <p:grpSpPr>
+        <a:xfrm>
+          <a:off x="0" y="0"/>
+          <a:ext cx="0" cy="0"/>
+          <a:chOff x="0" y="0"/>
+          <a:chExt cx="0" cy="0"/>
+        </a:xfrm>
+      </p:grpSpPr>
+      <p:sp>
+        <p:nvSpPr>
+          <p:cNvPr id="2" name="Title 1">
+            <a:extLst>
+              <a:ext uri="{FF2B5EF4-FFF2-40B4-BE49-F238E27FC236}">
+                <a16:creationId xmlns:a16="http://schemas.microsoft.com/office/drawing/2014/main" id="{6D7CDF0F-F61C-F2B0-01A9-DDA221B149A9}"/>
+              </a:ext>
+            </a:extLst>
+          </p:cNvPr>
+          <p:cNvSpPr>
+            <a:spLocks noGrp="1"/>
+          </p:cNvSpPr>
+          <p:nvPr>
+            <p:ph type="title"/>
+          </p:nvPr>
+        </p:nvSpPr>
+        <p:spPr/>
+        <p:txBody>
+          <a:bodyPr/>
+          <a:lstStyle/>
+          <a:p>
+            <a:r>
+              <a:rPr lang="en-US" dirty="0"/>
+              <a:t>Configuring Simulations</a:t>
+            </a:r>
+            <a:endParaRPr lang="en-US" dirty="0">
+              <a:solidFill>
+                <a:srgbClr val="000000"/>
+              </a:solidFill>
+            </a:endParaRPr>
+          </a:p>
+          <a:p>
+            <a:endParaRPr lang="en-US" dirty="0"/>
+          </a:p>
+        </p:txBody>
+      </p:sp>
+      <p:sp>
+        <p:nvSpPr>
+          <p:cNvPr id="3" name="Content Placeholder 2">
+            <a:extLst>
+              <a:ext uri="{FF2B5EF4-FFF2-40B4-BE49-F238E27FC236}">
+                <a16:creationId xmlns:a16="http://schemas.microsoft.com/office/drawing/2014/main" id="{C4C8DE54-295A-C1BB-FEA9-E2048249D7A6}"/>
+              </a:ext>
+            </a:extLst>
+          </p:cNvPr>
+          <p:cNvSpPr>
+            <a:spLocks noGrp="1"/>
+          </p:cNvSpPr>
+          <p:nvPr>
+            <p:ph idx="1"/>
+          </p:nvPr>
+        </p:nvSpPr>
+        <p:spPr/>
+        <p:txBody>
+          <a:bodyPr vert="horz" lIns="91440" tIns="45720" rIns="91440" bIns="45720" rtlCol="0" anchor="t">
+            <a:normAutofit fontScale="92500" lnSpcReduction="10000"/>
+          </a:bodyPr>
+          <a:lstStyle/>
+          <a:p>
+            <a:r>
+              <a:rPr lang="en-US" dirty="0"/>
+              <a:t>A configuration file is a file that contains data that is processed by the simulation, and that data is used to set variables, parameters, etc..</a:t>
+            </a:r>
+          </a:p>
+          <a:p>
+            <a:endParaRPr lang="en-US" dirty="0"/>
+          </a:p>
+          <a:p>
+            <a:r>
+              <a:rPr lang="en-US" dirty="0"/>
+              <a:t>Because we are reading data from a file to set values within our program, we only need to change the configuration while when we want to set a variable to a different value.</a:t>
+            </a:r>
+          </a:p>
+          <a:p>
+            <a:endParaRPr lang="en-US" dirty="0"/>
+          </a:p>
+          <a:p>
+            <a:r>
+              <a:rPr lang="en-US" dirty="0"/>
+              <a:t>We will use a data format called JSON </a:t>
+            </a:r>
+            <a:r>
+              <a:rPr lang="en-US" sz="1400" dirty="0"/>
+              <a:t>(JavaScript Object Notation)</a:t>
+            </a:r>
+            <a:r>
+              <a:rPr lang="en-US" dirty="0"/>
+              <a:t> to define simulation parameters.</a:t>
+            </a:r>
+          </a:p>
+          <a:p>
+            <a:endParaRPr lang="en-US" dirty="0"/>
+          </a:p>
+          <a:p>
+            <a:r>
+              <a:rPr lang="en-US" dirty="0"/>
+              <a:t>We will use a tool called </a:t>
+            </a:r>
+            <a:r>
+              <a:rPr lang="en-US" b="0" i="1" dirty="0" err="1">
+                <a:solidFill>
+                  <a:srgbClr val="212529"/>
+                </a:solidFill>
+                <a:effectLst/>
+                <a:latin typeface="Roboto" panose="020F0502020204030204" pitchFamily="2" charset="0"/>
+              </a:rPr>
+              <a:t>nlohmann_json</a:t>
+            </a:r>
+            <a:endParaRPr lang="en-US" b="0" i="1" dirty="0">
+              <a:solidFill>
+                <a:srgbClr val="212529"/>
+              </a:solidFill>
+              <a:effectLst/>
+              <a:latin typeface="Roboto" panose="020F0502020204030204" pitchFamily="2" charset="0"/>
+            </a:endParaRPr>
+          </a:p>
+          <a:p>
+            <a:pPr lvl="1"/>
+            <a:r>
+              <a:rPr lang="en-US" dirty="0">
+                <a:solidFill>
+                  <a:srgbClr val="212529"/>
+                </a:solidFill>
+                <a:latin typeface="Roboto" panose="020F0502020204030204" pitchFamily="2" charset="0"/>
+                <a:hlinkClick r:id="rId2"/>
+              </a:rPr>
+              <a:t>https://github.com/nlohmann/json</a:t>
+            </a:r>
+            <a:r>
+              <a:rPr lang="en-US" dirty="0">
+                <a:solidFill>
+                  <a:srgbClr val="212529"/>
+                </a:solidFill>
+                <a:latin typeface="Roboto" panose="020F0502020204030204" pitchFamily="2" charset="0"/>
+              </a:rPr>
+              <a:t> </a:t>
+            </a:r>
+            <a:endParaRPr lang="en-US" dirty="0"/>
+          </a:p>
+        </p:txBody>
+      </p:sp>
+    </p:spTree>
+    <p:extLst>
+      <p:ext uri="{BB962C8B-B14F-4D97-AF65-F5344CB8AC3E}">
+        <p14:creationId xmlns:p14="http://schemas.microsoft.com/office/powerpoint/2010/main" val="2303742360"/>
+      </p:ext>
+    </p:extLst>
+  </p:cSld>
+  <p:clrMapOvr>
+    <a:masterClrMapping/>
+  </p:clrMapOvr>
+</p:sld>
+</file>
+
+<file path=ppt/slides/slide5.xml><?xml version="1.0" encoding="utf-8"?>
+<p:sld xmlns:a="http://schemas.openxmlformats.org/drawingml/2006/main" xmlns:r="http://schemas.openxmlformats.org/officeDocument/2006/relationships" xmlns:p="http://schemas.openxmlformats.org/presentationml/2006/main">
+  <p:cSld>
+    <p:spTree>
+      <p:nvGrpSpPr>
+        <p:cNvPr id="1" name="">
+          <a:extLst>
+            <a:ext uri="{FF2B5EF4-FFF2-40B4-BE49-F238E27FC236}">
+              <a16:creationId xmlns:a16="http://schemas.microsoft.com/office/drawing/2014/main" id="{4C9EC646-D165-CAA2-5D3C-2BD2937DE619}"/>
+            </a:ext>
+          </a:extLst>
+        </p:cNvPr>
+        <p:cNvGrpSpPr/>
+        <p:nvPr/>
+      </p:nvGrpSpPr>
+      <p:grpSpPr>
+        <a:xfrm>
+          <a:off x="0" y="0"/>
+          <a:ext cx="0" cy="0"/>
+          <a:chOff x="0" y="0"/>
+          <a:chExt cx="0" cy="0"/>
+        </a:xfrm>
+      </p:grpSpPr>
+      <p:sp>
+        <p:nvSpPr>
+          <p:cNvPr id="2" name="Title 1">
+            <a:extLst>
+              <a:ext uri="{FF2B5EF4-FFF2-40B4-BE49-F238E27FC236}">
+                <a16:creationId xmlns:a16="http://schemas.microsoft.com/office/drawing/2014/main" id="{CA06BE23-2831-6195-1BB0-6C8D9003A5B9}"/>
+              </a:ext>
+            </a:extLst>
+          </p:cNvPr>
+          <p:cNvSpPr>
+            <a:spLocks noGrp="1"/>
+          </p:cNvSpPr>
+          <p:nvPr>
+            <p:ph type="title"/>
+          </p:nvPr>
+        </p:nvSpPr>
+        <p:spPr/>
+        <p:txBody>
+          <a:bodyPr/>
+          <a:lstStyle/>
+          <a:p>
+            <a:r>
+              <a:rPr lang="en-US" dirty="0"/>
+              <a:t>Configuring Simulations</a:t>
+            </a:r>
+            <a:endParaRPr lang="en-US" dirty="0">
+              <a:solidFill>
+                <a:srgbClr val="000000"/>
+              </a:solidFill>
+            </a:endParaRPr>
+          </a:p>
+          <a:p>
+            <a:endParaRPr lang="en-US" dirty="0"/>
+          </a:p>
+        </p:txBody>
+      </p:sp>
+      <p:sp>
+        <p:nvSpPr>
+          <p:cNvPr id="7" name="TextBox 6">
+            <a:extLst>
+              <a:ext uri="{FF2B5EF4-FFF2-40B4-BE49-F238E27FC236}">
+                <a16:creationId xmlns:a16="http://schemas.microsoft.com/office/drawing/2014/main" id="{BF8687E0-C2B0-8A00-8259-217F713DAF51}"/>
+              </a:ext>
+            </a:extLst>
+          </p:cNvPr>
+          <p:cNvSpPr txBox="1"/>
+          <p:nvPr/>
+        </p:nvSpPr>
+        <p:spPr>
+          <a:xfrm>
+            <a:off x="677334" y="2912532"/>
+            <a:ext cx="9717616" cy="1477328"/>
+          </a:xfrm>
+          <a:prstGeom prst="rect">
+            <a:avLst/>
+          </a:prstGeom>
+          <a:solidFill>
+            <a:schemeClr val="tx1"/>
+          </a:solidFill>
+        </p:spPr>
+        <p:txBody>
+          <a:bodyPr wrap="square">
+            <a:spAutoFit/>
+          </a:bodyPr>
+          <a:lstStyle/>
+          <a:p>
+            <a:r>
+              <a:rPr lang="en-US" b="0" dirty="0">
+                <a:solidFill>
+                  <a:srgbClr val="E6EDF3"/>
+                </a:solidFill>
+                <a:effectLst/>
+                <a:latin typeface="Consolas" panose="020B0609020204030204" pitchFamily="49" charset="0"/>
+              </a:rPr>
+              <a:t>{</a:t>
+            </a:r>
+          </a:p>
+          <a:p>
+            <a:r>
+              <a:rPr lang="en-US" b="0" dirty="0">
+                <a:solidFill>
+                  <a:srgbClr val="E6EDF3"/>
+                </a:solidFill>
+                <a:effectLst/>
+                <a:latin typeface="Consolas" panose="020B0609020204030204" pitchFamily="49" charset="0"/>
+              </a:rPr>
+              <a:t>    </a:t>
+            </a:r>
+            <a:r>
+              <a:rPr lang="en-US" b="0" dirty="0">
+                <a:solidFill>
+                  <a:srgbClr val="7EE787"/>
+                </a:solidFill>
+                <a:effectLst/>
+                <a:latin typeface="Consolas" panose="020B0609020204030204" pitchFamily="49" charset="0"/>
+              </a:rPr>
+              <a:t>"</a:t>
+            </a:r>
+            <a:r>
+              <a:rPr lang="en-US" b="0" dirty="0" err="1">
+                <a:solidFill>
+                  <a:srgbClr val="7EE787"/>
+                </a:solidFill>
+                <a:effectLst/>
+                <a:latin typeface="Consolas" panose="020B0609020204030204" pitchFamily="49" charset="0"/>
+              </a:rPr>
+              <a:t>number_of_entities</a:t>
+            </a:r>
+            <a:r>
+              <a:rPr lang="en-US" b="0" dirty="0">
+                <a:solidFill>
+                  <a:srgbClr val="7EE787"/>
+                </a:solidFill>
+                <a:effectLst/>
+                <a:latin typeface="Consolas" panose="020B0609020204030204" pitchFamily="49" charset="0"/>
+              </a:rPr>
+              <a:t>"</a:t>
+            </a:r>
+            <a:r>
+              <a:rPr lang="en-US" b="0" dirty="0">
+                <a:solidFill>
+                  <a:srgbClr val="E6EDF3"/>
+                </a:solidFill>
+                <a:effectLst/>
+                <a:latin typeface="Consolas" panose="020B0609020204030204" pitchFamily="49" charset="0"/>
+              </a:rPr>
+              <a:t>: </a:t>
+            </a:r>
+            <a:r>
+              <a:rPr lang="en-US" b="0" dirty="0">
+                <a:solidFill>
+                  <a:srgbClr val="79C0FF"/>
+                </a:solidFill>
+                <a:effectLst/>
+                <a:latin typeface="Consolas" panose="020B0609020204030204" pitchFamily="49" charset="0"/>
+              </a:rPr>
+              <a:t>2000</a:t>
+            </a:r>
+            <a:r>
+              <a:rPr lang="en-US" b="0" dirty="0">
+                <a:solidFill>
+                  <a:srgbClr val="E6EDF3"/>
+                </a:solidFill>
+                <a:effectLst/>
+                <a:latin typeface="Consolas" panose="020B0609020204030204" pitchFamily="49" charset="0"/>
+              </a:rPr>
+              <a:t>,</a:t>
+            </a:r>
+          </a:p>
+          <a:p>
+            <a:r>
+              <a:rPr lang="en-US" b="0" dirty="0">
+                <a:solidFill>
+                  <a:srgbClr val="E6EDF3"/>
+                </a:solidFill>
+                <a:effectLst/>
+                <a:latin typeface="Consolas" panose="020B0609020204030204" pitchFamily="49" charset="0"/>
+              </a:rPr>
+              <a:t>    </a:t>
+            </a:r>
+            <a:r>
+              <a:rPr lang="en-US" b="0" dirty="0">
+                <a:solidFill>
+                  <a:srgbClr val="7EE787"/>
+                </a:solidFill>
+                <a:effectLst/>
+                <a:latin typeface="Consolas" panose="020B0609020204030204" pitchFamily="49" charset="0"/>
+              </a:rPr>
+              <a:t>"</a:t>
+            </a:r>
+            <a:r>
+              <a:rPr lang="en-US" b="0" dirty="0" err="1">
+                <a:solidFill>
+                  <a:srgbClr val="7EE787"/>
+                </a:solidFill>
+                <a:effectLst/>
+                <a:latin typeface="Consolas" panose="020B0609020204030204" pitchFamily="49" charset="0"/>
+              </a:rPr>
+              <a:t>simulation_end_time</a:t>
+            </a:r>
+            <a:r>
+              <a:rPr lang="en-US" b="0" dirty="0">
+                <a:solidFill>
+                  <a:srgbClr val="7EE787"/>
+                </a:solidFill>
+                <a:effectLst/>
+                <a:latin typeface="Consolas" panose="020B0609020204030204" pitchFamily="49" charset="0"/>
+              </a:rPr>
+              <a:t>"</a:t>
+            </a:r>
+            <a:r>
+              <a:rPr lang="en-US" b="0" dirty="0">
+                <a:solidFill>
+                  <a:srgbClr val="E6EDF3"/>
+                </a:solidFill>
+                <a:effectLst/>
+                <a:latin typeface="Consolas" panose="020B0609020204030204" pitchFamily="49" charset="0"/>
+              </a:rPr>
+              <a:t>: </a:t>
+            </a:r>
+            <a:r>
+              <a:rPr lang="en-US" b="0" dirty="0">
+                <a:solidFill>
+                  <a:srgbClr val="79C0FF"/>
+                </a:solidFill>
+                <a:effectLst/>
+                <a:latin typeface="Consolas" panose="020B0609020204030204" pitchFamily="49" charset="0"/>
+              </a:rPr>
+              <a:t>10.0</a:t>
+            </a:r>
+            <a:r>
+              <a:rPr lang="en-US" b="0" dirty="0">
+                <a:solidFill>
+                  <a:srgbClr val="E6EDF3"/>
+                </a:solidFill>
+                <a:effectLst/>
+                <a:latin typeface="Consolas" panose="020B0609020204030204" pitchFamily="49" charset="0"/>
+              </a:rPr>
+              <a:t>,</a:t>
+            </a:r>
+          </a:p>
+          <a:p>
+            <a:r>
+              <a:rPr lang="en-US" b="0" dirty="0">
+                <a:solidFill>
+                  <a:srgbClr val="E6EDF3"/>
+                </a:solidFill>
+                <a:effectLst/>
+                <a:latin typeface="Consolas" panose="020B0609020204030204" pitchFamily="49" charset="0"/>
+              </a:rPr>
+              <a:t>    </a:t>
+            </a:r>
+            <a:r>
+              <a:rPr lang="en-US" b="0" dirty="0">
+                <a:solidFill>
+                  <a:srgbClr val="7EE787"/>
+                </a:solidFill>
+                <a:effectLst/>
+                <a:latin typeface="Consolas" panose="020B0609020204030204" pitchFamily="49" charset="0"/>
+              </a:rPr>
+              <a:t>"</a:t>
+            </a:r>
+            <a:r>
+              <a:rPr lang="en-US" b="0" dirty="0" err="1">
+                <a:solidFill>
+                  <a:srgbClr val="7EE787"/>
+                </a:solidFill>
+                <a:effectLst/>
+                <a:latin typeface="Consolas" panose="020B0609020204030204" pitchFamily="49" charset="0"/>
+              </a:rPr>
+              <a:t>delta_time</a:t>
+            </a:r>
+            <a:r>
+              <a:rPr lang="en-US" b="0" dirty="0">
+                <a:solidFill>
+                  <a:srgbClr val="7EE787"/>
+                </a:solidFill>
+                <a:effectLst/>
+                <a:latin typeface="Consolas" panose="020B0609020204030204" pitchFamily="49" charset="0"/>
+              </a:rPr>
+              <a:t>"</a:t>
+            </a:r>
+            <a:r>
+              <a:rPr lang="en-US" b="0" dirty="0">
+                <a:solidFill>
+                  <a:srgbClr val="E6EDF3"/>
+                </a:solidFill>
+                <a:effectLst/>
+                <a:latin typeface="Consolas" panose="020B0609020204030204" pitchFamily="49" charset="0"/>
+              </a:rPr>
+              <a:t>: </a:t>
+            </a:r>
+            <a:r>
+              <a:rPr lang="en-US" b="0" dirty="0">
+                <a:solidFill>
+                  <a:srgbClr val="79C0FF"/>
+                </a:solidFill>
+                <a:effectLst/>
+                <a:latin typeface="Consolas" panose="020B0609020204030204" pitchFamily="49" charset="0"/>
+              </a:rPr>
+              <a:t>0.1</a:t>
+            </a:r>
+            <a:endParaRPr lang="en-US" b="0" dirty="0">
+              <a:solidFill>
+                <a:srgbClr val="E6EDF3"/>
+              </a:solidFill>
+              <a:effectLst/>
+              <a:latin typeface="Consolas" panose="020B0609020204030204" pitchFamily="49" charset="0"/>
+            </a:endParaRPr>
+          </a:p>
+          <a:p>
+            <a:r>
+              <a:rPr lang="en-US" b="0" dirty="0">
+                <a:solidFill>
+                  <a:srgbClr val="E6EDF3"/>
+                </a:solidFill>
+                <a:effectLst/>
+                <a:latin typeface="Consolas" panose="020B0609020204030204" pitchFamily="49" charset="0"/>
+              </a:rPr>
+              <a:t>}</a:t>
+            </a:r>
+          </a:p>
+        </p:txBody>
+      </p:sp>
+      <p:sp>
+        <p:nvSpPr>
+          <p:cNvPr id="8" name="Content Placeholder 2">
+            <a:extLst>
+              <a:ext uri="{FF2B5EF4-FFF2-40B4-BE49-F238E27FC236}">
+                <a16:creationId xmlns:a16="http://schemas.microsoft.com/office/drawing/2014/main" id="{9760372B-7999-2849-9801-8DE85DC04A29}"/>
+              </a:ext>
+            </a:extLst>
+          </p:cNvPr>
+          <p:cNvSpPr>
+            <a:spLocks noGrp="1"/>
+          </p:cNvSpPr>
+          <p:nvPr>
+            <p:ph idx="1"/>
+          </p:nvPr>
+        </p:nvSpPr>
+        <p:spPr>
+          <a:xfrm>
+            <a:off x="677333" y="4863993"/>
+            <a:ext cx="9717615" cy="834074"/>
+          </a:xfrm>
+        </p:spPr>
+        <p:txBody>
+          <a:bodyPr vert="horz" lIns="91440" tIns="45720" rIns="91440" bIns="45720" rtlCol="0" anchor="t">
+            <a:normAutofit/>
+          </a:bodyPr>
+          <a:lstStyle/>
+          <a:p>
+            <a:r>
+              <a:rPr lang="en-US" dirty="0"/>
+              <a:t>This configuration specifies that the simulation will have 2000 entities, will run for 10 seconds, and will step in increments of 0.1 seconds.</a:t>
+            </a:r>
+          </a:p>
+        </p:txBody>
+      </p:sp>
+    </p:spTree>
+    <p:extLst>
+      <p:ext uri="{BB962C8B-B14F-4D97-AF65-F5344CB8AC3E}">
+        <p14:creationId xmlns:p14="http://schemas.microsoft.com/office/powerpoint/2010/main" val="1755878330"/>
+      </p:ext>
+    </p:extLst>
+  </p:cSld>
+  <p:clrMapOvr>
+    <a:masterClrMapping/>
+  </p:clrMapOvr>
+</p:sld>
+</file>
+
+<file path=ppt/slides/slide6.xml><?xml version="1.0" encoding="utf-8"?>
+<p:sld xmlns:a="http://schemas.openxmlformats.org/drawingml/2006/main" xmlns:r="http://schemas.openxmlformats.org/officeDocument/2006/relationships" xmlns:p="http://schemas.openxmlformats.org/presentationml/2006/main">
+  <p:cSld>
+    <p:spTree>
+      <p:nvGrpSpPr>
+        <p:cNvPr id="1" name=""/>
+        <p:cNvGrpSpPr/>
+        <p:nvPr/>
+      </p:nvGrpSpPr>
+      <p:grpSpPr>
+        <a:xfrm>
+          <a:off x="0" y="0"/>
+          <a:ext cx="0" cy="0"/>
+          <a:chOff x="0" y="0"/>
+          <a:chExt cx="0" cy="0"/>
+        </a:xfrm>
+      </p:grpSpPr>
+      <p:sp>
+        <p:nvSpPr>
+          <p:cNvPr id="2" name="Title 1">
+            <a:extLst>
+              <a:ext uri="{FF2B5EF4-FFF2-40B4-BE49-F238E27FC236}">
+                <a16:creationId xmlns:a16="http://schemas.microsoft.com/office/drawing/2014/main" id="{82C8364E-5160-A345-7EDA-E3B05A88AFB2}"/>
+              </a:ext>
+            </a:extLst>
+          </p:cNvPr>
+          <p:cNvSpPr>
+            <a:spLocks noGrp="1"/>
+          </p:cNvSpPr>
+          <p:nvPr>
+            <p:ph type="title"/>
+          </p:nvPr>
+        </p:nvSpPr>
+        <p:spPr/>
+        <p:txBody>
+          <a:bodyPr/>
+          <a:lstStyle/>
+          <a:p>
+            <a:r>
+              <a:rPr lang="en-US" dirty="0"/>
+              <a:t>Encapsulation within a Model</a:t>
+            </a:r>
+          </a:p>
+        </p:txBody>
+      </p:sp>
+      <p:sp>
+        <p:nvSpPr>
+          <p:cNvPr id="3" name="Content Placeholder 2">
+            <a:extLst>
+              <a:ext uri="{FF2B5EF4-FFF2-40B4-BE49-F238E27FC236}">
+                <a16:creationId xmlns:a16="http://schemas.microsoft.com/office/drawing/2014/main" id="{7B0F556F-1997-E008-CEA3-C7B99BB51A5E}"/>
+              </a:ext>
+            </a:extLst>
+          </p:cNvPr>
+          <p:cNvSpPr>
+            <a:spLocks noGrp="1"/>
+          </p:cNvSpPr>
+          <p:nvPr>
+            <p:ph idx="1"/>
+          </p:nvPr>
+        </p:nvSpPr>
+        <p:spPr/>
+        <p:txBody>
+          <a:bodyPr/>
+          <a:lstStyle/>
+          <a:p>
+            <a:r>
+              <a:rPr lang="en-US" dirty="0"/>
+              <a:t>So far, other than defining a few classes to support our simulations, we have written the bulk of our programs in the main.cpp file</a:t>
+            </a:r>
+          </a:p>
+          <a:p>
+            <a:endParaRPr lang="en-US" dirty="0"/>
+          </a:p>
+          <a:p>
+            <a:r>
+              <a:rPr lang="en-US" dirty="0"/>
+              <a:t>The flow of our simulations is dictated by the code in the </a:t>
+            </a:r>
+            <a:r>
+              <a:rPr lang="en-US" i="1" dirty="0"/>
+              <a:t>main</a:t>
+            </a:r>
+            <a:r>
+              <a:rPr lang="en-US" dirty="0"/>
+              <a:t> function</a:t>
+            </a:r>
+          </a:p>
+          <a:p>
+            <a:endParaRPr lang="en-US" i="1" dirty="0"/>
+          </a:p>
+          <a:p>
+            <a:r>
+              <a:rPr lang="en-US" dirty="0"/>
+              <a:t>But what if do not have, or even want, a </a:t>
+            </a:r>
+            <a:r>
+              <a:rPr lang="en-US" i="1" dirty="0"/>
+              <a:t>main </a:t>
+            </a:r>
+            <a:r>
+              <a:rPr lang="en-US" dirty="0"/>
+              <a:t>function?</a:t>
+            </a:r>
+          </a:p>
+          <a:p>
+            <a:pPr marL="457200" lvl="1" indent="0">
+              <a:buNone/>
+            </a:pPr>
+            <a:endParaRPr lang="en-US" dirty="0"/>
+          </a:p>
+        </p:txBody>
+      </p:sp>
+    </p:spTree>
+    <p:extLst>
+      <p:ext uri="{BB962C8B-B14F-4D97-AF65-F5344CB8AC3E}">
+        <p14:creationId xmlns:p14="http://schemas.microsoft.com/office/powerpoint/2010/main" val="4143248433"/>
+      </p:ext>
+    </p:extLst>
+  </p:cSld>
+  <p:clrMapOvr>
+    <a:masterClrMapping/>
+  </p:clrMapOvr>
+</p:sld>
+</file>
+
+<file path=ppt/slides/slide7.xml><?xml version="1.0" encoding="utf-8"?>
+<p:sld xmlns:a="http://schemas.openxmlformats.org/drawingml/2006/main" xmlns:r="http://schemas.openxmlformats.org/officeDocument/2006/relationships" xmlns:p="http://schemas.openxmlformats.org/presentationml/2006/main">
+  <p:cSld>
+    <p:spTree>
+      <p:nvGrpSpPr>
+        <p:cNvPr id="1" name="">
+          <a:extLst>
+            <a:ext uri="{FF2B5EF4-FFF2-40B4-BE49-F238E27FC236}">
+              <a16:creationId xmlns:a16="http://schemas.microsoft.com/office/drawing/2014/main" id="{73AAFFE7-3CD8-CD65-C644-5CB9AFF7F01F}"/>
+            </a:ext>
+          </a:extLst>
+        </p:cNvPr>
+        <p:cNvGrpSpPr/>
+        <p:nvPr/>
+      </p:nvGrpSpPr>
+      <p:grpSpPr>
+        <a:xfrm>
+          <a:off x="0" y="0"/>
+          <a:ext cx="0" cy="0"/>
+          <a:chOff x="0" y="0"/>
+          <a:chExt cx="0" cy="0"/>
+        </a:xfrm>
+      </p:grpSpPr>
+      <p:sp>
+        <p:nvSpPr>
+          <p:cNvPr id="2" name="Title 1">
+            <a:extLst>
+              <a:ext uri="{FF2B5EF4-FFF2-40B4-BE49-F238E27FC236}">
+                <a16:creationId xmlns:a16="http://schemas.microsoft.com/office/drawing/2014/main" id="{D61511F0-B97F-FAB4-6972-B2B3CBF8176F}"/>
+              </a:ext>
+            </a:extLst>
+          </p:cNvPr>
+          <p:cNvSpPr>
+            <a:spLocks noGrp="1"/>
+          </p:cNvSpPr>
+          <p:nvPr>
+            <p:ph type="title"/>
+          </p:nvPr>
+        </p:nvSpPr>
+        <p:spPr/>
+        <p:txBody>
+          <a:bodyPr/>
+          <a:lstStyle/>
+          <a:p>
+            <a:r>
+              <a:rPr lang="en-US" dirty="0"/>
+              <a:t>Encapsulation within a Model</a:t>
+            </a:r>
+          </a:p>
+        </p:txBody>
+      </p:sp>
+      <p:sp>
+        <p:nvSpPr>
+          <p:cNvPr id="3" name="Content Placeholder 2">
+            <a:extLst>
+              <a:ext uri="{FF2B5EF4-FFF2-40B4-BE49-F238E27FC236}">
+                <a16:creationId xmlns:a16="http://schemas.microsoft.com/office/drawing/2014/main" id="{BE878785-7D97-BB0F-22C9-69A72C850F3D}"/>
+              </a:ext>
+            </a:extLst>
+          </p:cNvPr>
+          <p:cNvSpPr>
+            <a:spLocks noGrp="1"/>
+          </p:cNvSpPr>
+          <p:nvPr>
+            <p:ph idx="1"/>
+          </p:nvPr>
+        </p:nvSpPr>
+        <p:spPr/>
+        <p:txBody>
+          <a:bodyPr>
+            <a:normAutofit fontScale="92500" lnSpcReduction="10000"/>
+          </a:bodyPr>
+          <a:lstStyle/>
+          <a:p>
+            <a:r>
+              <a:rPr lang="en-US" dirty="0"/>
+              <a:t>We can implement a class that we call </a:t>
+            </a:r>
+            <a:r>
+              <a:rPr lang="en-US" i="1" dirty="0"/>
+              <a:t>the model</a:t>
+            </a:r>
+            <a:endParaRPr lang="en-US" dirty="0"/>
+          </a:p>
+          <a:p>
+            <a:endParaRPr lang="en-US" dirty="0"/>
+          </a:p>
+          <a:p>
+            <a:r>
+              <a:rPr lang="en-US" dirty="0"/>
+              <a:t>This class will hold onto and manage the entire state of the simulation, as well as control the logical flow of the simulation.</a:t>
+            </a:r>
+          </a:p>
+          <a:p>
+            <a:endParaRPr lang="en-US" dirty="0"/>
+          </a:p>
+          <a:p>
+            <a:r>
+              <a:rPr lang="en-US" dirty="0"/>
+              <a:t>This is everything that our main function has been doing, but instead that code is tucked away into a class.</a:t>
+            </a:r>
+          </a:p>
+          <a:p>
+            <a:pPr lvl="1"/>
+            <a:r>
+              <a:rPr lang="en-US" dirty="0"/>
+              <a:t>It will create our entities, environment, manage time, etc..</a:t>
+            </a:r>
+          </a:p>
+          <a:p>
+            <a:pPr lvl="1"/>
+            <a:r>
+              <a:rPr lang="en-US" dirty="0"/>
+              <a:t>It handles </a:t>
+            </a:r>
+            <a:r>
+              <a:rPr lang="en-US" u="sng" dirty="0"/>
+              <a:t>everything</a:t>
+            </a:r>
+          </a:p>
+          <a:p>
+            <a:endParaRPr lang="en-US" dirty="0"/>
+          </a:p>
+          <a:p>
+            <a:r>
+              <a:rPr lang="en-US" dirty="0"/>
+              <a:t>Therefore, </a:t>
+            </a:r>
+            <a:r>
+              <a:rPr lang="en-US" i="1" dirty="0"/>
+              <a:t>assuming we even have a main function</a:t>
+            </a:r>
+            <a:r>
+              <a:rPr lang="en-US" dirty="0"/>
+              <a:t>, all it would do it create a model and interact with it.</a:t>
+            </a:r>
+          </a:p>
+        </p:txBody>
+      </p:sp>
+    </p:spTree>
+    <p:extLst>
+      <p:ext uri="{BB962C8B-B14F-4D97-AF65-F5344CB8AC3E}">
+        <p14:creationId xmlns:p14="http://schemas.microsoft.com/office/powerpoint/2010/main" val="1803222905"/>
+      </p:ext>
+    </p:extLst>
+  </p:cSld>
+  <p:clrMapOvr>
+    <a:masterClrMapping/>
+  </p:clrMapOvr>
+</p:sld>
+</file>
+
+<file path=ppt/slides/slide8.xml><?xml version="1.0" encoding="utf-8"?>
 <p:sld xmlns:a="http://schemas.openxmlformats.org/drawingml/2006/main" xmlns:r="http://schemas.openxmlformats.org/officeDocument/2006/relationships" xmlns:p="http://schemas.openxmlformats.org/presentationml/2006/main">
   <p:cSld>
     <p:spTree>
@@ -8432,7 +9808,7 @@
 </p:sld>
 </file>
 
-<file path=ppt/slides/slide12.xml><?xml version="1.0" encoding="utf-8"?>
+<file path=ppt/slides/slide9.xml><?xml version="1.0" encoding="utf-8"?>
 <p:sld xmlns:a="http://schemas.openxmlformats.org/drawingml/2006/main" xmlns:r="http://schemas.openxmlformats.org/officeDocument/2006/relationships" xmlns:p="http://schemas.openxmlformats.org/presentationml/2006/main">
   <p:cSld>
     <p:spTree>
@@ -9168,1510 +10544,6 @@
     <p:extLst>
       <p:ext uri="{BB962C8B-B14F-4D97-AF65-F5344CB8AC3E}">
         <p14:creationId xmlns:p14="http://schemas.microsoft.com/office/powerpoint/2010/main" val="3782152243"/>
-      </p:ext>
-    </p:extLst>
-  </p:cSld>
-  <p:clrMapOvr>
-    <a:masterClrMapping/>
-  </p:clrMapOvr>
-</p:sld>
-</file>
-
-<file path=ppt/slides/slide13.xml><?xml version="1.0" encoding="utf-8"?>
-<p:sld xmlns:a="http://schemas.openxmlformats.org/drawingml/2006/main" xmlns:r="http://schemas.openxmlformats.org/officeDocument/2006/relationships" xmlns:p="http://schemas.openxmlformats.org/presentationml/2006/main">
-  <p:cSld>
-    <p:spTree>
-      <p:nvGrpSpPr>
-        <p:cNvPr id="1" name="">
-          <a:extLst>
-            <a:ext uri="{FF2B5EF4-FFF2-40B4-BE49-F238E27FC236}">
-              <a16:creationId xmlns:a16="http://schemas.microsoft.com/office/drawing/2014/main" id="{E4FF6DC3-D7B6-6D0B-BA75-46707949FB71}"/>
-            </a:ext>
-          </a:extLst>
-        </p:cNvPr>
-        <p:cNvGrpSpPr/>
-        <p:nvPr/>
-      </p:nvGrpSpPr>
-      <p:grpSpPr>
-        <a:xfrm>
-          <a:off x="0" y="0"/>
-          <a:ext cx="0" cy="0"/>
-          <a:chOff x="0" y="0"/>
-          <a:chExt cx="0" cy="0"/>
-        </a:xfrm>
-      </p:grpSpPr>
-      <p:sp>
-        <p:nvSpPr>
-          <p:cNvPr id="2" name="Title 1">
-            <a:extLst>
-              <a:ext uri="{FF2B5EF4-FFF2-40B4-BE49-F238E27FC236}">
-                <a16:creationId xmlns:a16="http://schemas.microsoft.com/office/drawing/2014/main" id="{1FF95183-E3A8-B9E9-06EC-CC5DD47902E7}"/>
-              </a:ext>
-            </a:extLst>
-          </p:cNvPr>
-          <p:cNvSpPr>
-            <a:spLocks noGrp="1"/>
-          </p:cNvSpPr>
-          <p:nvPr>
-            <p:ph type="title"/>
-          </p:nvPr>
-        </p:nvSpPr>
-        <p:spPr/>
-        <p:txBody>
-          <a:bodyPr/>
-          <a:lstStyle/>
-          <a:p>
-            <a:r>
-              <a:rPr lang="en-US" dirty="0"/>
-              <a:t>Simulation Architecture</a:t>
-            </a:r>
-          </a:p>
-        </p:txBody>
-      </p:sp>
-      <p:sp>
-        <p:nvSpPr>
-          <p:cNvPr id="3" name="Content Placeholder 2">
-            <a:extLst>
-              <a:ext uri="{FF2B5EF4-FFF2-40B4-BE49-F238E27FC236}">
-                <a16:creationId xmlns:a16="http://schemas.microsoft.com/office/drawing/2014/main" id="{7A50BD64-C25D-87FF-0381-2FEFD0571985}"/>
-              </a:ext>
-            </a:extLst>
-          </p:cNvPr>
-          <p:cNvSpPr>
-            <a:spLocks noGrp="1"/>
-          </p:cNvSpPr>
-          <p:nvPr>
-            <p:ph idx="1"/>
-          </p:nvPr>
-        </p:nvSpPr>
-        <p:spPr>
-          <a:xfrm>
-            <a:off x="677334" y="2160589"/>
-            <a:ext cx="8596668" cy="4194491"/>
-          </a:xfrm>
-        </p:spPr>
-        <p:txBody>
-          <a:bodyPr>
-            <a:normAutofit/>
-          </a:bodyPr>
-          <a:lstStyle/>
-          <a:p>
-            <a:r>
-              <a:rPr lang="en-US" b="1" dirty="0"/>
-              <a:t>main</a:t>
-            </a:r>
-            <a:r>
-              <a:rPr lang="en-US" dirty="0"/>
-              <a:t> and </a:t>
-            </a:r>
-            <a:r>
-              <a:rPr lang="en-US" b="1" dirty="0"/>
-              <a:t>dashboard</a:t>
-            </a:r>
-            <a:r>
-              <a:rPr lang="en-US" dirty="0"/>
-              <a:t> are called consumers, or users, of the model.</a:t>
-            </a:r>
-          </a:p>
-          <a:p>
-            <a:endParaRPr lang="en-US" b="1" dirty="0"/>
-          </a:p>
-          <a:p>
-            <a:r>
-              <a:rPr lang="en-US" dirty="0"/>
-              <a:t>They are responsible for creating, initializing, updating, and finalizing the model.</a:t>
-            </a:r>
-          </a:p>
-          <a:p>
-            <a:endParaRPr lang="en-US" dirty="0"/>
-          </a:p>
-          <a:p>
-            <a:r>
-              <a:rPr lang="en-US" dirty="0"/>
-              <a:t>As the model updates, the consumer will pull data from the model and do something with it.</a:t>
-            </a:r>
-          </a:p>
-          <a:p>
-            <a:pPr lvl="1"/>
-            <a:r>
-              <a:rPr lang="en-US" b="1" dirty="0"/>
-              <a:t>main </a:t>
-            </a:r>
-            <a:r>
-              <a:rPr lang="en-US" dirty="0"/>
-              <a:t>will typically log the data</a:t>
-            </a:r>
-          </a:p>
-          <a:p>
-            <a:pPr lvl="1"/>
-            <a:r>
-              <a:rPr lang="en-US" b="1" dirty="0"/>
-              <a:t>dashboard </a:t>
-            </a:r>
-            <a:r>
-              <a:rPr lang="en-US" dirty="0"/>
-              <a:t>will typically visualize the data</a:t>
-            </a:r>
-          </a:p>
-        </p:txBody>
-      </p:sp>
-    </p:spTree>
-    <p:extLst>
-      <p:ext uri="{BB962C8B-B14F-4D97-AF65-F5344CB8AC3E}">
-        <p14:creationId xmlns:p14="http://schemas.microsoft.com/office/powerpoint/2010/main" val="4068639796"/>
-      </p:ext>
-    </p:extLst>
-  </p:cSld>
-  <p:clrMapOvr>
-    <a:masterClrMapping/>
-  </p:clrMapOvr>
-</p:sld>
-</file>
-
-<file path=ppt/slides/slide2.xml><?xml version="1.0" encoding="utf-8"?>
-<p:sld xmlns:a="http://schemas.openxmlformats.org/drawingml/2006/main" xmlns:r="http://schemas.openxmlformats.org/officeDocument/2006/relationships" xmlns:p="http://schemas.openxmlformats.org/presentationml/2006/main">
-  <p:cSld>
-    <p:spTree>
-      <p:nvGrpSpPr>
-        <p:cNvPr id="1" name=""/>
-        <p:cNvGrpSpPr/>
-        <p:nvPr/>
-      </p:nvGrpSpPr>
-      <p:grpSpPr>
-        <a:xfrm>
-          <a:off x="0" y="0"/>
-          <a:ext cx="0" cy="0"/>
-          <a:chOff x="0" y="0"/>
-          <a:chExt cx="0" cy="0"/>
-        </a:xfrm>
-      </p:grpSpPr>
-      <p:sp>
-        <p:nvSpPr>
-          <p:cNvPr id="2" name="Title 1">
-            <a:extLst>
-              <a:ext uri="{FF2B5EF4-FFF2-40B4-BE49-F238E27FC236}">
-                <a16:creationId xmlns:a16="http://schemas.microsoft.com/office/drawing/2014/main" id="{49B87735-A3B4-2C2B-B5DE-5FC32B620056}"/>
-              </a:ext>
-            </a:extLst>
-          </p:cNvPr>
-          <p:cNvSpPr>
-            <a:spLocks noGrp="1"/>
-          </p:cNvSpPr>
-          <p:nvPr>
-            <p:ph type="title"/>
-          </p:nvPr>
-        </p:nvSpPr>
-        <p:spPr/>
-        <p:txBody>
-          <a:bodyPr/>
-          <a:lstStyle/>
-          <a:p>
-            <a:r>
-              <a:rPr lang="en-US" dirty="0"/>
-              <a:t>Simulation Architecture</a:t>
-            </a:r>
-          </a:p>
-        </p:txBody>
-      </p:sp>
-      <p:sp>
-        <p:nvSpPr>
-          <p:cNvPr id="3" name="Content Placeholder 2">
-            <a:extLst>
-              <a:ext uri="{FF2B5EF4-FFF2-40B4-BE49-F238E27FC236}">
-                <a16:creationId xmlns:a16="http://schemas.microsoft.com/office/drawing/2014/main" id="{FE8CF204-16EE-A44C-B548-099727DD6A58}"/>
-              </a:ext>
-            </a:extLst>
-          </p:cNvPr>
-          <p:cNvSpPr>
-            <a:spLocks noGrp="1"/>
-          </p:cNvSpPr>
-          <p:nvPr>
-            <p:ph idx="1"/>
-          </p:nvPr>
-        </p:nvSpPr>
-        <p:spPr/>
-        <p:txBody>
-          <a:bodyPr vert="horz" lIns="91440" tIns="45720" rIns="91440" bIns="45720" rtlCol="0" anchor="t">
-            <a:normAutofit/>
-          </a:bodyPr>
-          <a:lstStyle/>
-          <a:p>
-            <a:r>
-              <a:rPr lang="en-US" dirty="0"/>
-              <a:t>At this moment in the semester, we are mostly done learning new C++.</a:t>
-            </a:r>
-          </a:p>
-          <a:p>
-            <a:pPr lvl="1">
-              <a:buFont typeface="Courier New" charset="2"/>
-              <a:buChar char="o"/>
-            </a:pPr>
-            <a:r>
-              <a:rPr lang="en-US" dirty="0"/>
-              <a:t>Anything we learn will just be minor details building onto what we already know.</a:t>
-            </a:r>
-          </a:p>
-          <a:p>
-            <a:pPr lvl="1">
-              <a:buFont typeface="Courier New" charset="2"/>
-              <a:buChar char="o"/>
-            </a:pPr>
-            <a:endParaRPr lang="en-US" dirty="0"/>
-          </a:p>
-          <a:p>
-            <a:r>
-              <a:rPr lang="en-US" dirty="0"/>
-              <a:t>We can now talk about how we should be structuring more capable simulations.</a:t>
-            </a:r>
-          </a:p>
-          <a:p>
-            <a:endParaRPr lang="en-US" dirty="0"/>
-          </a:p>
-          <a:p>
-            <a:r>
-              <a:rPr lang="en-US" dirty="0"/>
-              <a:t>We have written C++ programs with very basic structures thus far, but we can do much better.</a:t>
-            </a:r>
-          </a:p>
-        </p:txBody>
-      </p:sp>
-    </p:spTree>
-    <p:extLst>
-      <p:ext uri="{BB962C8B-B14F-4D97-AF65-F5344CB8AC3E}">
-        <p14:creationId xmlns:p14="http://schemas.microsoft.com/office/powerpoint/2010/main" val="1120265853"/>
-      </p:ext>
-    </p:extLst>
-  </p:cSld>
-  <p:clrMapOvr>
-    <a:masterClrMapping/>
-  </p:clrMapOvr>
-</p:sld>
-</file>
-
-<file path=ppt/slides/slide3.xml><?xml version="1.0" encoding="utf-8"?>
-<p:sld xmlns:a="http://schemas.openxmlformats.org/drawingml/2006/main" xmlns:r="http://schemas.openxmlformats.org/officeDocument/2006/relationships" xmlns:p="http://schemas.openxmlformats.org/presentationml/2006/main">
-  <p:cSld>
-    <p:spTree>
-      <p:nvGrpSpPr>
-        <p:cNvPr id="1" name=""/>
-        <p:cNvGrpSpPr/>
-        <p:nvPr/>
-      </p:nvGrpSpPr>
-      <p:grpSpPr>
-        <a:xfrm>
-          <a:off x="0" y="0"/>
-          <a:ext cx="0" cy="0"/>
-          <a:chOff x="0" y="0"/>
-          <a:chExt cx="0" cy="0"/>
-        </a:xfrm>
-      </p:grpSpPr>
-      <p:sp>
-        <p:nvSpPr>
-          <p:cNvPr id="2" name="Title 1">
-            <a:extLst>
-              <a:ext uri="{FF2B5EF4-FFF2-40B4-BE49-F238E27FC236}">
-                <a16:creationId xmlns:a16="http://schemas.microsoft.com/office/drawing/2014/main" id="{B6207FC9-231F-2F4D-051B-02AEA9F53B3D}"/>
-              </a:ext>
-            </a:extLst>
-          </p:cNvPr>
-          <p:cNvSpPr>
-            <a:spLocks noGrp="1"/>
-          </p:cNvSpPr>
-          <p:nvPr>
-            <p:ph type="title"/>
-          </p:nvPr>
-        </p:nvSpPr>
-        <p:spPr/>
-        <p:txBody>
-          <a:bodyPr/>
-          <a:lstStyle/>
-          <a:p>
-            <a:r>
-              <a:rPr lang="en-US" dirty="0"/>
-              <a:t>Simulation Architecture</a:t>
-            </a:r>
-            <a:endParaRPr lang="en-US" dirty="0">
-              <a:solidFill>
-                <a:srgbClr val="000000"/>
-              </a:solidFill>
-            </a:endParaRPr>
-          </a:p>
-          <a:p>
-            <a:endParaRPr lang="en-US" dirty="0"/>
-          </a:p>
-        </p:txBody>
-      </p:sp>
-      <p:sp>
-        <p:nvSpPr>
-          <p:cNvPr id="3" name="Content Placeholder 2">
-            <a:extLst>
-              <a:ext uri="{FF2B5EF4-FFF2-40B4-BE49-F238E27FC236}">
-                <a16:creationId xmlns:a16="http://schemas.microsoft.com/office/drawing/2014/main" id="{5FC30C38-4530-8E66-5698-7DB3F09B9ADD}"/>
-              </a:ext>
-            </a:extLst>
-          </p:cNvPr>
-          <p:cNvSpPr>
-            <a:spLocks noGrp="1"/>
-          </p:cNvSpPr>
-          <p:nvPr>
-            <p:ph idx="1"/>
-          </p:nvPr>
-        </p:nvSpPr>
-        <p:spPr/>
-        <p:txBody>
-          <a:bodyPr vert="horz" lIns="91440" tIns="45720" rIns="91440" bIns="45720" rtlCol="0" anchor="t">
-            <a:normAutofit/>
-          </a:bodyPr>
-          <a:lstStyle/>
-          <a:p>
-            <a:r>
-              <a:rPr lang="en-US" dirty="0"/>
-              <a:t>Our goals are simple:</a:t>
-            </a:r>
-          </a:p>
-          <a:p>
-            <a:pPr lvl="1">
-              <a:buFont typeface="Courier New" charset="2"/>
-              <a:buChar char="o"/>
-            </a:pPr>
-            <a:r>
-              <a:rPr lang="en-US" dirty="0"/>
-              <a:t>We want to </a:t>
-            </a:r>
-            <a:r>
-              <a:rPr lang="en-US" i="1" dirty="0"/>
-              <a:t>configure </a:t>
-            </a:r>
-            <a:r>
-              <a:rPr lang="en-US" dirty="0"/>
-              <a:t>our simulations without needing to recompile them</a:t>
-            </a:r>
-          </a:p>
-          <a:p>
-            <a:pPr lvl="1">
-              <a:buFont typeface="Courier New" charset="2"/>
-              <a:buChar char="o"/>
-            </a:pPr>
-            <a:r>
-              <a:rPr lang="en-US" dirty="0"/>
-              <a:t>We want to encapsulate our simulations within a </a:t>
-            </a:r>
-            <a:r>
-              <a:rPr lang="en-US" i="1" dirty="0"/>
-              <a:t>model</a:t>
-            </a:r>
-          </a:p>
-        </p:txBody>
-      </p:sp>
-    </p:spTree>
-    <p:extLst>
-      <p:ext uri="{BB962C8B-B14F-4D97-AF65-F5344CB8AC3E}">
-        <p14:creationId xmlns:p14="http://schemas.microsoft.com/office/powerpoint/2010/main" val="2886231336"/>
-      </p:ext>
-    </p:extLst>
-  </p:cSld>
-  <p:clrMapOvr>
-    <a:masterClrMapping/>
-  </p:clrMapOvr>
-</p:sld>
-</file>
-
-<file path=ppt/slides/slide4.xml><?xml version="1.0" encoding="utf-8"?>
-<p:sld xmlns:a="http://schemas.openxmlformats.org/drawingml/2006/main" xmlns:r="http://schemas.openxmlformats.org/officeDocument/2006/relationships" xmlns:p="http://schemas.openxmlformats.org/presentationml/2006/main">
-  <p:cSld>
-    <p:spTree>
-      <p:nvGrpSpPr>
-        <p:cNvPr id="1" name=""/>
-        <p:cNvGrpSpPr/>
-        <p:nvPr/>
-      </p:nvGrpSpPr>
-      <p:grpSpPr>
-        <a:xfrm>
-          <a:off x="0" y="0"/>
-          <a:ext cx="0" cy="0"/>
-          <a:chOff x="0" y="0"/>
-          <a:chExt cx="0" cy="0"/>
-        </a:xfrm>
-      </p:grpSpPr>
-      <p:sp>
-        <p:nvSpPr>
-          <p:cNvPr id="2" name="Title 1">
-            <a:extLst>
-              <a:ext uri="{FF2B5EF4-FFF2-40B4-BE49-F238E27FC236}">
-                <a16:creationId xmlns:a16="http://schemas.microsoft.com/office/drawing/2014/main" id="{B6207FC9-231F-2F4D-051B-02AEA9F53B3D}"/>
-              </a:ext>
-            </a:extLst>
-          </p:cNvPr>
-          <p:cNvSpPr>
-            <a:spLocks noGrp="1"/>
-          </p:cNvSpPr>
-          <p:nvPr>
-            <p:ph type="title"/>
-          </p:nvPr>
-        </p:nvSpPr>
-        <p:spPr/>
-        <p:txBody>
-          <a:bodyPr/>
-          <a:lstStyle/>
-          <a:p>
-            <a:r>
-              <a:rPr lang="en-US" dirty="0"/>
-              <a:t>Configuring Simulations</a:t>
-            </a:r>
-            <a:endParaRPr lang="en-US" dirty="0">
-              <a:solidFill>
-                <a:srgbClr val="000000"/>
-              </a:solidFill>
-            </a:endParaRPr>
-          </a:p>
-          <a:p>
-            <a:endParaRPr lang="en-US" dirty="0"/>
-          </a:p>
-        </p:txBody>
-      </p:sp>
-      <p:sp>
-        <p:nvSpPr>
-          <p:cNvPr id="3" name="Content Placeholder 2">
-            <a:extLst>
-              <a:ext uri="{FF2B5EF4-FFF2-40B4-BE49-F238E27FC236}">
-                <a16:creationId xmlns:a16="http://schemas.microsoft.com/office/drawing/2014/main" id="{5FC30C38-4530-8E66-5698-7DB3F09B9ADD}"/>
-              </a:ext>
-            </a:extLst>
-          </p:cNvPr>
-          <p:cNvSpPr>
-            <a:spLocks noGrp="1"/>
-          </p:cNvSpPr>
-          <p:nvPr>
-            <p:ph idx="1"/>
-          </p:nvPr>
-        </p:nvSpPr>
-        <p:spPr/>
-        <p:txBody>
-          <a:bodyPr vert="horz" lIns="91440" tIns="45720" rIns="91440" bIns="45720" rtlCol="0" anchor="t">
-            <a:normAutofit/>
-          </a:bodyPr>
-          <a:lstStyle/>
-          <a:p>
-            <a:r>
-              <a:rPr lang="en-US" dirty="0"/>
-              <a:t>Configuring simulations is done by passing data into our simulations </a:t>
-            </a:r>
-            <a:r>
-              <a:rPr lang="en-US" i="1" dirty="0"/>
-              <a:t>when we execute the program</a:t>
-            </a:r>
-            <a:r>
-              <a:rPr lang="en-US" dirty="0"/>
-              <a:t>.</a:t>
-            </a:r>
-          </a:p>
-          <a:p>
-            <a:endParaRPr lang="en-US" i="1" dirty="0"/>
-          </a:p>
-          <a:p>
-            <a:r>
-              <a:rPr lang="en-US" dirty="0"/>
-              <a:t>Using </a:t>
-            </a:r>
-            <a:r>
-              <a:rPr lang="en-US" i="1" dirty="0"/>
-              <a:t>std::cin</a:t>
-            </a:r>
-            <a:r>
-              <a:rPr lang="en-US" dirty="0"/>
-              <a:t> however is extremely clunky; what if we need to supply a few dozen different parameters?</a:t>
-            </a:r>
-          </a:p>
-          <a:p>
-            <a:endParaRPr lang="en-US" dirty="0"/>
-          </a:p>
-          <a:p>
-            <a:r>
-              <a:rPr lang="en-US" dirty="0"/>
-              <a:t>We can use </a:t>
-            </a:r>
-            <a:r>
-              <a:rPr lang="en-US" i="1" dirty="0"/>
-              <a:t>configuration files</a:t>
-            </a:r>
-            <a:endParaRPr lang="en-US" dirty="0"/>
-          </a:p>
-        </p:txBody>
-      </p:sp>
-    </p:spTree>
-    <p:extLst>
-      <p:ext uri="{BB962C8B-B14F-4D97-AF65-F5344CB8AC3E}">
-        <p14:creationId xmlns:p14="http://schemas.microsoft.com/office/powerpoint/2010/main" val="282801038"/>
-      </p:ext>
-    </p:extLst>
-  </p:cSld>
-  <p:clrMapOvr>
-    <a:masterClrMapping/>
-  </p:clrMapOvr>
-</p:sld>
-</file>
-
-<file path=ppt/slides/slide5.xml><?xml version="1.0" encoding="utf-8"?>
-<p:sld xmlns:a="http://schemas.openxmlformats.org/drawingml/2006/main" xmlns:r="http://schemas.openxmlformats.org/officeDocument/2006/relationships" xmlns:p="http://schemas.openxmlformats.org/presentationml/2006/main">
-  <p:cSld>
-    <p:spTree>
-      <p:nvGrpSpPr>
-        <p:cNvPr id="1" name="">
-          <a:extLst>
-            <a:ext uri="{FF2B5EF4-FFF2-40B4-BE49-F238E27FC236}">
-              <a16:creationId xmlns:a16="http://schemas.microsoft.com/office/drawing/2014/main" id="{385C4749-45F3-BAED-DE8D-27AD1833A3D4}"/>
-            </a:ext>
-          </a:extLst>
-        </p:cNvPr>
-        <p:cNvGrpSpPr/>
-        <p:nvPr/>
-      </p:nvGrpSpPr>
-      <p:grpSpPr>
-        <a:xfrm>
-          <a:off x="0" y="0"/>
-          <a:ext cx="0" cy="0"/>
-          <a:chOff x="0" y="0"/>
-          <a:chExt cx="0" cy="0"/>
-        </a:xfrm>
-      </p:grpSpPr>
-      <p:sp>
-        <p:nvSpPr>
-          <p:cNvPr id="2" name="Title 1">
-            <a:extLst>
-              <a:ext uri="{FF2B5EF4-FFF2-40B4-BE49-F238E27FC236}">
-                <a16:creationId xmlns:a16="http://schemas.microsoft.com/office/drawing/2014/main" id="{6D7CDF0F-F61C-F2B0-01A9-DDA221B149A9}"/>
-              </a:ext>
-            </a:extLst>
-          </p:cNvPr>
-          <p:cNvSpPr>
-            <a:spLocks noGrp="1"/>
-          </p:cNvSpPr>
-          <p:nvPr>
-            <p:ph type="title"/>
-          </p:nvPr>
-        </p:nvSpPr>
-        <p:spPr/>
-        <p:txBody>
-          <a:bodyPr/>
-          <a:lstStyle/>
-          <a:p>
-            <a:r>
-              <a:rPr lang="en-US" dirty="0"/>
-              <a:t>Configuring Simulations</a:t>
-            </a:r>
-            <a:endParaRPr lang="en-US" dirty="0">
-              <a:solidFill>
-                <a:srgbClr val="000000"/>
-              </a:solidFill>
-            </a:endParaRPr>
-          </a:p>
-          <a:p>
-            <a:endParaRPr lang="en-US" dirty="0"/>
-          </a:p>
-        </p:txBody>
-      </p:sp>
-      <p:sp>
-        <p:nvSpPr>
-          <p:cNvPr id="3" name="Content Placeholder 2">
-            <a:extLst>
-              <a:ext uri="{FF2B5EF4-FFF2-40B4-BE49-F238E27FC236}">
-                <a16:creationId xmlns:a16="http://schemas.microsoft.com/office/drawing/2014/main" id="{C4C8DE54-295A-C1BB-FEA9-E2048249D7A6}"/>
-              </a:ext>
-            </a:extLst>
-          </p:cNvPr>
-          <p:cNvSpPr>
-            <a:spLocks noGrp="1"/>
-          </p:cNvSpPr>
-          <p:nvPr>
-            <p:ph idx="1"/>
-          </p:nvPr>
-        </p:nvSpPr>
-        <p:spPr/>
-        <p:txBody>
-          <a:bodyPr vert="horz" lIns="91440" tIns="45720" rIns="91440" bIns="45720" rtlCol="0" anchor="t">
-            <a:normAutofit fontScale="92500" lnSpcReduction="10000"/>
-          </a:bodyPr>
-          <a:lstStyle/>
-          <a:p>
-            <a:r>
-              <a:rPr lang="en-US" dirty="0"/>
-              <a:t>A configuration file is a file that contains data that is processed by the simulation, and that data is used to set variables, parameters, etc..</a:t>
-            </a:r>
-          </a:p>
-          <a:p>
-            <a:endParaRPr lang="en-US" dirty="0"/>
-          </a:p>
-          <a:p>
-            <a:r>
-              <a:rPr lang="en-US" dirty="0"/>
-              <a:t>Because we are reading data from a file to set values within our program, we only need to change the configuration while when we want to set a variable to a different value.</a:t>
-            </a:r>
-          </a:p>
-          <a:p>
-            <a:endParaRPr lang="en-US" dirty="0"/>
-          </a:p>
-          <a:p>
-            <a:r>
-              <a:rPr lang="en-US" dirty="0"/>
-              <a:t>We will use a data format called JSON </a:t>
-            </a:r>
-            <a:r>
-              <a:rPr lang="en-US" sz="1400" dirty="0"/>
-              <a:t>(JavaScript Object Notation)</a:t>
-            </a:r>
-            <a:r>
-              <a:rPr lang="en-US" dirty="0"/>
-              <a:t> to define simulation parameters.</a:t>
-            </a:r>
-          </a:p>
-          <a:p>
-            <a:endParaRPr lang="en-US" dirty="0"/>
-          </a:p>
-          <a:p>
-            <a:r>
-              <a:rPr lang="en-US" dirty="0"/>
-              <a:t>We will use a tool called </a:t>
-            </a:r>
-            <a:r>
-              <a:rPr lang="en-US" b="0" i="1" dirty="0" err="1">
-                <a:solidFill>
-                  <a:srgbClr val="212529"/>
-                </a:solidFill>
-                <a:effectLst/>
-                <a:latin typeface="Roboto" panose="020F0502020204030204" pitchFamily="2" charset="0"/>
-              </a:rPr>
-              <a:t>nlohmann_json</a:t>
-            </a:r>
-            <a:endParaRPr lang="en-US" b="0" i="1" dirty="0">
-              <a:solidFill>
-                <a:srgbClr val="212529"/>
-              </a:solidFill>
-              <a:effectLst/>
-              <a:latin typeface="Roboto" panose="020F0502020204030204" pitchFamily="2" charset="0"/>
-            </a:endParaRPr>
-          </a:p>
-          <a:p>
-            <a:pPr lvl="1"/>
-            <a:r>
-              <a:rPr lang="en-US" dirty="0">
-                <a:solidFill>
-                  <a:srgbClr val="212529"/>
-                </a:solidFill>
-                <a:latin typeface="Roboto" panose="020F0502020204030204" pitchFamily="2" charset="0"/>
-                <a:hlinkClick r:id="rId2"/>
-              </a:rPr>
-              <a:t>https://github.com/nlohmann/json</a:t>
-            </a:r>
-            <a:r>
-              <a:rPr lang="en-US" dirty="0">
-                <a:solidFill>
-                  <a:srgbClr val="212529"/>
-                </a:solidFill>
-                <a:latin typeface="Roboto" panose="020F0502020204030204" pitchFamily="2" charset="0"/>
-              </a:rPr>
-              <a:t> </a:t>
-            </a:r>
-            <a:endParaRPr lang="en-US" dirty="0"/>
-          </a:p>
-        </p:txBody>
-      </p:sp>
-    </p:spTree>
-    <p:extLst>
-      <p:ext uri="{BB962C8B-B14F-4D97-AF65-F5344CB8AC3E}">
-        <p14:creationId xmlns:p14="http://schemas.microsoft.com/office/powerpoint/2010/main" val="2303742360"/>
-      </p:ext>
-    </p:extLst>
-  </p:cSld>
-  <p:clrMapOvr>
-    <a:masterClrMapping/>
-  </p:clrMapOvr>
-</p:sld>
-</file>
-
-<file path=ppt/slides/slide6.xml><?xml version="1.0" encoding="utf-8"?>
-<p:sld xmlns:a="http://schemas.openxmlformats.org/drawingml/2006/main" xmlns:r="http://schemas.openxmlformats.org/officeDocument/2006/relationships" xmlns:p="http://schemas.openxmlformats.org/presentationml/2006/main">
-  <p:cSld>
-    <p:spTree>
-      <p:nvGrpSpPr>
-        <p:cNvPr id="1" name="">
-          <a:extLst>
-            <a:ext uri="{FF2B5EF4-FFF2-40B4-BE49-F238E27FC236}">
-              <a16:creationId xmlns:a16="http://schemas.microsoft.com/office/drawing/2014/main" id="{E7A2C921-B19D-A14E-A380-3FD721B04E9D}"/>
-            </a:ext>
-          </a:extLst>
-        </p:cNvPr>
-        <p:cNvGrpSpPr/>
-        <p:nvPr/>
-      </p:nvGrpSpPr>
-      <p:grpSpPr>
-        <a:xfrm>
-          <a:off x="0" y="0"/>
-          <a:ext cx="0" cy="0"/>
-          <a:chOff x="0" y="0"/>
-          <a:chExt cx="0" cy="0"/>
-        </a:xfrm>
-      </p:grpSpPr>
-      <p:sp>
-        <p:nvSpPr>
-          <p:cNvPr id="2" name="Title 1">
-            <a:extLst>
-              <a:ext uri="{FF2B5EF4-FFF2-40B4-BE49-F238E27FC236}">
-                <a16:creationId xmlns:a16="http://schemas.microsoft.com/office/drawing/2014/main" id="{0A1ECA47-6A0B-05EF-032D-8CE8BE347DA8}"/>
-              </a:ext>
-            </a:extLst>
-          </p:cNvPr>
-          <p:cNvSpPr>
-            <a:spLocks noGrp="1"/>
-          </p:cNvSpPr>
-          <p:nvPr>
-            <p:ph type="title"/>
-          </p:nvPr>
-        </p:nvSpPr>
-        <p:spPr/>
-        <p:txBody>
-          <a:bodyPr/>
-          <a:lstStyle/>
-          <a:p>
-            <a:r>
-              <a:rPr lang="en-US" dirty="0"/>
-              <a:t>Configuring Simulations</a:t>
-            </a:r>
-            <a:endParaRPr lang="en-US" dirty="0">
-              <a:solidFill>
-                <a:srgbClr val="000000"/>
-              </a:solidFill>
-            </a:endParaRPr>
-          </a:p>
-          <a:p>
-            <a:endParaRPr lang="en-US" dirty="0"/>
-          </a:p>
-        </p:txBody>
-      </p:sp>
-      <p:sp>
-        <p:nvSpPr>
-          <p:cNvPr id="3" name="Content Placeholder 2">
-            <a:extLst>
-              <a:ext uri="{FF2B5EF4-FFF2-40B4-BE49-F238E27FC236}">
-                <a16:creationId xmlns:a16="http://schemas.microsoft.com/office/drawing/2014/main" id="{757ED41D-6A29-A148-FD56-E38588BE4E2A}"/>
-              </a:ext>
-            </a:extLst>
-          </p:cNvPr>
-          <p:cNvSpPr>
-            <a:spLocks noGrp="1"/>
-          </p:cNvSpPr>
-          <p:nvPr>
-            <p:ph idx="1"/>
-          </p:nvPr>
-        </p:nvSpPr>
-        <p:spPr/>
-        <p:txBody>
-          <a:bodyPr vert="horz" lIns="91440" tIns="45720" rIns="91440" bIns="45720" rtlCol="0" anchor="t">
-            <a:normAutofit/>
-          </a:bodyPr>
-          <a:lstStyle/>
-          <a:p>
-            <a:r>
-              <a:rPr lang="en-US" dirty="0"/>
-              <a:t>What goes into a configuration file?</a:t>
-            </a:r>
-          </a:p>
-          <a:p>
-            <a:pPr lvl="1"/>
-            <a:r>
-              <a:rPr lang="en-US" dirty="0"/>
-              <a:t>Discrete, explicit values</a:t>
-            </a:r>
-          </a:p>
-          <a:p>
-            <a:pPr lvl="1"/>
-            <a:endParaRPr lang="en-US" dirty="0"/>
-          </a:p>
-          <a:p>
-            <a:r>
-              <a:rPr lang="en-US" dirty="0"/>
-              <a:t>What does not go into a configuration file?</a:t>
-            </a:r>
-          </a:p>
-          <a:p>
-            <a:pPr lvl="1"/>
-            <a:r>
-              <a:rPr lang="en-US" dirty="0"/>
-              <a:t>Dynamic values</a:t>
-            </a:r>
-          </a:p>
-          <a:p>
-            <a:pPr lvl="1"/>
-            <a:r>
-              <a:rPr lang="en-US" dirty="0"/>
-              <a:t>Functions</a:t>
-            </a:r>
-          </a:p>
-          <a:p>
-            <a:pPr lvl="1"/>
-            <a:r>
-              <a:rPr lang="en-US" dirty="0"/>
-              <a:t>Conditions/control constructures (if, for, while, etc.)</a:t>
-            </a:r>
-          </a:p>
-        </p:txBody>
-      </p:sp>
-    </p:spTree>
-    <p:extLst>
-      <p:ext uri="{BB962C8B-B14F-4D97-AF65-F5344CB8AC3E}">
-        <p14:creationId xmlns:p14="http://schemas.microsoft.com/office/powerpoint/2010/main" val="982468890"/>
-      </p:ext>
-    </p:extLst>
-  </p:cSld>
-  <p:clrMapOvr>
-    <a:masterClrMapping/>
-  </p:clrMapOvr>
-</p:sld>
-</file>
-
-<file path=ppt/slides/slide7.xml><?xml version="1.0" encoding="utf-8"?>
-<p:sld xmlns:a="http://schemas.openxmlformats.org/drawingml/2006/main" xmlns:r="http://schemas.openxmlformats.org/officeDocument/2006/relationships" xmlns:p="http://schemas.openxmlformats.org/presentationml/2006/main">
-  <p:cSld>
-    <p:spTree>
-      <p:nvGrpSpPr>
-        <p:cNvPr id="1" name="">
-          <a:extLst>
-            <a:ext uri="{FF2B5EF4-FFF2-40B4-BE49-F238E27FC236}">
-              <a16:creationId xmlns:a16="http://schemas.microsoft.com/office/drawing/2014/main" id="{4C9EC646-D165-CAA2-5D3C-2BD2937DE619}"/>
-            </a:ext>
-          </a:extLst>
-        </p:cNvPr>
-        <p:cNvGrpSpPr/>
-        <p:nvPr/>
-      </p:nvGrpSpPr>
-      <p:grpSpPr>
-        <a:xfrm>
-          <a:off x="0" y="0"/>
-          <a:ext cx="0" cy="0"/>
-          <a:chOff x="0" y="0"/>
-          <a:chExt cx="0" cy="0"/>
-        </a:xfrm>
-      </p:grpSpPr>
-      <p:sp>
-        <p:nvSpPr>
-          <p:cNvPr id="2" name="Title 1">
-            <a:extLst>
-              <a:ext uri="{FF2B5EF4-FFF2-40B4-BE49-F238E27FC236}">
-                <a16:creationId xmlns:a16="http://schemas.microsoft.com/office/drawing/2014/main" id="{CA06BE23-2831-6195-1BB0-6C8D9003A5B9}"/>
-              </a:ext>
-            </a:extLst>
-          </p:cNvPr>
-          <p:cNvSpPr>
-            <a:spLocks noGrp="1"/>
-          </p:cNvSpPr>
-          <p:nvPr>
-            <p:ph type="title"/>
-          </p:nvPr>
-        </p:nvSpPr>
-        <p:spPr/>
-        <p:txBody>
-          <a:bodyPr/>
-          <a:lstStyle/>
-          <a:p>
-            <a:r>
-              <a:rPr lang="en-US" dirty="0"/>
-              <a:t>Configuring Simulations</a:t>
-            </a:r>
-            <a:endParaRPr lang="en-US" dirty="0">
-              <a:solidFill>
-                <a:srgbClr val="000000"/>
-              </a:solidFill>
-            </a:endParaRPr>
-          </a:p>
-          <a:p>
-            <a:endParaRPr lang="en-US" dirty="0"/>
-          </a:p>
-        </p:txBody>
-      </p:sp>
-      <p:sp>
-        <p:nvSpPr>
-          <p:cNvPr id="7" name="TextBox 6">
-            <a:extLst>
-              <a:ext uri="{FF2B5EF4-FFF2-40B4-BE49-F238E27FC236}">
-                <a16:creationId xmlns:a16="http://schemas.microsoft.com/office/drawing/2014/main" id="{BF8687E0-C2B0-8A00-8259-217F713DAF51}"/>
-              </a:ext>
-            </a:extLst>
-          </p:cNvPr>
-          <p:cNvSpPr txBox="1"/>
-          <p:nvPr/>
-        </p:nvSpPr>
-        <p:spPr>
-          <a:xfrm>
-            <a:off x="677334" y="2912532"/>
-            <a:ext cx="9717616" cy="1477328"/>
-          </a:xfrm>
-          <a:prstGeom prst="rect">
-            <a:avLst/>
-          </a:prstGeom>
-          <a:solidFill>
-            <a:schemeClr val="tx1"/>
-          </a:solidFill>
-        </p:spPr>
-        <p:txBody>
-          <a:bodyPr wrap="square">
-            <a:spAutoFit/>
-          </a:bodyPr>
-          <a:lstStyle/>
-          <a:p>
-            <a:r>
-              <a:rPr lang="en-US" b="0" dirty="0">
-                <a:solidFill>
-                  <a:srgbClr val="E6EDF3"/>
-                </a:solidFill>
-                <a:effectLst/>
-                <a:latin typeface="Consolas" panose="020B0609020204030204" pitchFamily="49" charset="0"/>
-              </a:rPr>
-              <a:t>{</a:t>
-            </a:r>
-          </a:p>
-          <a:p>
-            <a:r>
-              <a:rPr lang="en-US" b="0" dirty="0">
-                <a:solidFill>
-                  <a:srgbClr val="E6EDF3"/>
-                </a:solidFill>
-                <a:effectLst/>
-                <a:latin typeface="Consolas" panose="020B0609020204030204" pitchFamily="49" charset="0"/>
-              </a:rPr>
-              <a:t>    </a:t>
-            </a:r>
-            <a:r>
-              <a:rPr lang="en-US" b="0" dirty="0">
-                <a:solidFill>
-                  <a:srgbClr val="7EE787"/>
-                </a:solidFill>
-                <a:effectLst/>
-                <a:latin typeface="Consolas" panose="020B0609020204030204" pitchFamily="49" charset="0"/>
-              </a:rPr>
-              <a:t>"</a:t>
-            </a:r>
-            <a:r>
-              <a:rPr lang="en-US" b="0" dirty="0" err="1">
-                <a:solidFill>
-                  <a:srgbClr val="7EE787"/>
-                </a:solidFill>
-                <a:effectLst/>
-                <a:latin typeface="Consolas" panose="020B0609020204030204" pitchFamily="49" charset="0"/>
-              </a:rPr>
-              <a:t>number_of_entities</a:t>
-            </a:r>
-            <a:r>
-              <a:rPr lang="en-US" b="0" dirty="0">
-                <a:solidFill>
-                  <a:srgbClr val="7EE787"/>
-                </a:solidFill>
-                <a:effectLst/>
-                <a:latin typeface="Consolas" panose="020B0609020204030204" pitchFamily="49" charset="0"/>
-              </a:rPr>
-              <a:t>"</a:t>
-            </a:r>
-            <a:r>
-              <a:rPr lang="en-US" b="0" dirty="0">
-                <a:solidFill>
-                  <a:srgbClr val="E6EDF3"/>
-                </a:solidFill>
-                <a:effectLst/>
-                <a:latin typeface="Consolas" panose="020B0609020204030204" pitchFamily="49" charset="0"/>
-              </a:rPr>
-              <a:t>: </a:t>
-            </a:r>
-            <a:r>
-              <a:rPr lang="en-US" b="0" dirty="0">
-                <a:solidFill>
-                  <a:srgbClr val="79C0FF"/>
-                </a:solidFill>
-                <a:effectLst/>
-                <a:latin typeface="Consolas" panose="020B0609020204030204" pitchFamily="49" charset="0"/>
-              </a:rPr>
-              <a:t>2000</a:t>
-            </a:r>
-            <a:r>
-              <a:rPr lang="en-US" b="0" dirty="0">
-                <a:solidFill>
-                  <a:srgbClr val="E6EDF3"/>
-                </a:solidFill>
-                <a:effectLst/>
-                <a:latin typeface="Consolas" panose="020B0609020204030204" pitchFamily="49" charset="0"/>
-              </a:rPr>
-              <a:t>,</a:t>
-            </a:r>
-          </a:p>
-          <a:p>
-            <a:r>
-              <a:rPr lang="en-US" b="0" dirty="0">
-                <a:solidFill>
-                  <a:srgbClr val="E6EDF3"/>
-                </a:solidFill>
-                <a:effectLst/>
-                <a:latin typeface="Consolas" panose="020B0609020204030204" pitchFamily="49" charset="0"/>
-              </a:rPr>
-              <a:t>    </a:t>
-            </a:r>
-            <a:r>
-              <a:rPr lang="en-US" b="0" dirty="0">
-                <a:solidFill>
-                  <a:srgbClr val="7EE787"/>
-                </a:solidFill>
-                <a:effectLst/>
-                <a:latin typeface="Consolas" panose="020B0609020204030204" pitchFamily="49" charset="0"/>
-              </a:rPr>
-              <a:t>"</a:t>
-            </a:r>
-            <a:r>
-              <a:rPr lang="en-US" b="0" dirty="0" err="1">
-                <a:solidFill>
-                  <a:srgbClr val="7EE787"/>
-                </a:solidFill>
-                <a:effectLst/>
-                <a:latin typeface="Consolas" panose="020B0609020204030204" pitchFamily="49" charset="0"/>
-              </a:rPr>
-              <a:t>simulation_end_time</a:t>
-            </a:r>
-            <a:r>
-              <a:rPr lang="en-US" b="0" dirty="0">
-                <a:solidFill>
-                  <a:srgbClr val="7EE787"/>
-                </a:solidFill>
-                <a:effectLst/>
-                <a:latin typeface="Consolas" panose="020B0609020204030204" pitchFamily="49" charset="0"/>
-              </a:rPr>
-              <a:t>"</a:t>
-            </a:r>
-            <a:r>
-              <a:rPr lang="en-US" b="0" dirty="0">
-                <a:solidFill>
-                  <a:srgbClr val="E6EDF3"/>
-                </a:solidFill>
-                <a:effectLst/>
-                <a:latin typeface="Consolas" panose="020B0609020204030204" pitchFamily="49" charset="0"/>
-              </a:rPr>
-              <a:t>: </a:t>
-            </a:r>
-            <a:r>
-              <a:rPr lang="en-US" b="0" dirty="0">
-                <a:solidFill>
-                  <a:srgbClr val="79C0FF"/>
-                </a:solidFill>
-                <a:effectLst/>
-                <a:latin typeface="Consolas" panose="020B0609020204030204" pitchFamily="49" charset="0"/>
-              </a:rPr>
-              <a:t>10.0</a:t>
-            </a:r>
-            <a:r>
-              <a:rPr lang="en-US" b="0" dirty="0">
-                <a:solidFill>
-                  <a:srgbClr val="E6EDF3"/>
-                </a:solidFill>
-                <a:effectLst/>
-                <a:latin typeface="Consolas" panose="020B0609020204030204" pitchFamily="49" charset="0"/>
-              </a:rPr>
-              <a:t>,</a:t>
-            </a:r>
-          </a:p>
-          <a:p>
-            <a:r>
-              <a:rPr lang="en-US" b="0" dirty="0">
-                <a:solidFill>
-                  <a:srgbClr val="E6EDF3"/>
-                </a:solidFill>
-                <a:effectLst/>
-                <a:latin typeface="Consolas" panose="020B0609020204030204" pitchFamily="49" charset="0"/>
-              </a:rPr>
-              <a:t>    </a:t>
-            </a:r>
-            <a:r>
-              <a:rPr lang="en-US" b="0" dirty="0">
-                <a:solidFill>
-                  <a:srgbClr val="7EE787"/>
-                </a:solidFill>
-                <a:effectLst/>
-                <a:latin typeface="Consolas" panose="020B0609020204030204" pitchFamily="49" charset="0"/>
-              </a:rPr>
-              <a:t>"</a:t>
-            </a:r>
-            <a:r>
-              <a:rPr lang="en-US" b="0" dirty="0" err="1">
-                <a:solidFill>
-                  <a:srgbClr val="7EE787"/>
-                </a:solidFill>
-                <a:effectLst/>
-                <a:latin typeface="Consolas" panose="020B0609020204030204" pitchFamily="49" charset="0"/>
-              </a:rPr>
-              <a:t>delta_time</a:t>
-            </a:r>
-            <a:r>
-              <a:rPr lang="en-US" b="0" dirty="0">
-                <a:solidFill>
-                  <a:srgbClr val="7EE787"/>
-                </a:solidFill>
-                <a:effectLst/>
-                <a:latin typeface="Consolas" panose="020B0609020204030204" pitchFamily="49" charset="0"/>
-              </a:rPr>
-              <a:t>"</a:t>
-            </a:r>
-            <a:r>
-              <a:rPr lang="en-US" b="0" dirty="0">
-                <a:solidFill>
-                  <a:srgbClr val="E6EDF3"/>
-                </a:solidFill>
-                <a:effectLst/>
-                <a:latin typeface="Consolas" panose="020B0609020204030204" pitchFamily="49" charset="0"/>
-              </a:rPr>
-              <a:t>: </a:t>
-            </a:r>
-            <a:r>
-              <a:rPr lang="en-US" b="0" dirty="0">
-                <a:solidFill>
-                  <a:srgbClr val="79C0FF"/>
-                </a:solidFill>
-                <a:effectLst/>
-                <a:latin typeface="Consolas" panose="020B0609020204030204" pitchFamily="49" charset="0"/>
-              </a:rPr>
-              <a:t>0.1</a:t>
-            </a:r>
-            <a:endParaRPr lang="en-US" b="0" dirty="0">
-              <a:solidFill>
-                <a:srgbClr val="E6EDF3"/>
-              </a:solidFill>
-              <a:effectLst/>
-              <a:latin typeface="Consolas" panose="020B0609020204030204" pitchFamily="49" charset="0"/>
-            </a:endParaRPr>
-          </a:p>
-          <a:p>
-            <a:r>
-              <a:rPr lang="en-US" b="0" dirty="0">
-                <a:solidFill>
-                  <a:srgbClr val="E6EDF3"/>
-                </a:solidFill>
-                <a:effectLst/>
-                <a:latin typeface="Consolas" panose="020B0609020204030204" pitchFamily="49" charset="0"/>
-              </a:rPr>
-              <a:t>}</a:t>
-            </a:r>
-          </a:p>
-        </p:txBody>
-      </p:sp>
-      <p:sp>
-        <p:nvSpPr>
-          <p:cNvPr id="8" name="Content Placeholder 2">
-            <a:extLst>
-              <a:ext uri="{FF2B5EF4-FFF2-40B4-BE49-F238E27FC236}">
-                <a16:creationId xmlns:a16="http://schemas.microsoft.com/office/drawing/2014/main" id="{9760372B-7999-2849-9801-8DE85DC04A29}"/>
-              </a:ext>
-            </a:extLst>
-          </p:cNvPr>
-          <p:cNvSpPr>
-            <a:spLocks noGrp="1"/>
-          </p:cNvSpPr>
-          <p:nvPr>
-            <p:ph idx="1"/>
-          </p:nvPr>
-        </p:nvSpPr>
-        <p:spPr>
-          <a:xfrm>
-            <a:off x="677333" y="4863993"/>
-            <a:ext cx="9717615" cy="834074"/>
-          </a:xfrm>
-        </p:spPr>
-        <p:txBody>
-          <a:bodyPr vert="horz" lIns="91440" tIns="45720" rIns="91440" bIns="45720" rtlCol="0" anchor="t">
-            <a:normAutofit/>
-          </a:bodyPr>
-          <a:lstStyle/>
-          <a:p>
-            <a:r>
-              <a:rPr lang="en-US" dirty="0"/>
-              <a:t>This configuration specifies that the simulation will have 2000 entities, will run for 10 seconds, and will step in increments of 0.1 seconds.</a:t>
-            </a:r>
-          </a:p>
-        </p:txBody>
-      </p:sp>
-    </p:spTree>
-    <p:extLst>
-      <p:ext uri="{BB962C8B-B14F-4D97-AF65-F5344CB8AC3E}">
-        <p14:creationId xmlns:p14="http://schemas.microsoft.com/office/powerpoint/2010/main" val="1755878330"/>
-      </p:ext>
-    </p:extLst>
-  </p:cSld>
-  <p:clrMapOvr>
-    <a:masterClrMapping/>
-  </p:clrMapOvr>
-</p:sld>
-</file>
-
-<file path=ppt/slides/slide8.xml><?xml version="1.0" encoding="utf-8"?>
-<p:sld xmlns:a="http://schemas.openxmlformats.org/drawingml/2006/main" xmlns:r="http://schemas.openxmlformats.org/officeDocument/2006/relationships" xmlns:p="http://schemas.openxmlformats.org/presentationml/2006/main">
-  <p:cSld>
-    <p:spTree>
-      <p:nvGrpSpPr>
-        <p:cNvPr id="1" name=""/>
-        <p:cNvGrpSpPr/>
-        <p:nvPr/>
-      </p:nvGrpSpPr>
-      <p:grpSpPr>
-        <a:xfrm>
-          <a:off x="0" y="0"/>
-          <a:ext cx="0" cy="0"/>
-          <a:chOff x="0" y="0"/>
-          <a:chExt cx="0" cy="0"/>
-        </a:xfrm>
-      </p:grpSpPr>
-      <p:sp>
-        <p:nvSpPr>
-          <p:cNvPr id="2" name="Title 1">
-            <a:extLst>
-              <a:ext uri="{FF2B5EF4-FFF2-40B4-BE49-F238E27FC236}">
-                <a16:creationId xmlns:a16="http://schemas.microsoft.com/office/drawing/2014/main" id="{82C8364E-5160-A345-7EDA-E3B05A88AFB2}"/>
-              </a:ext>
-            </a:extLst>
-          </p:cNvPr>
-          <p:cNvSpPr>
-            <a:spLocks noGrp="1"/>
-          </p:cNvSpPr>
-          <p:nvPr>
-            <p:ph type="title"/>
-          </p:nvPr>
-        </p:nvSpPr>
-        <p:spPr/>
-        <p:txBody>
-          <a:bodyPr/>
-          <a:lstStyle/>
-          <a:p>
-            <a:r>
-              <a:rPr lang="en-US" dirty="0"/>
-              <a:t>Encapsulation within a Model</a:t>
-            </a:r>
-          </a:p>
-        </p:txBody>
-      </p:sp>
-      <p:sp>
-        <p:nvSpPr>
-          <p:cNvPr id="3" name="Content Placeholder 2">
-            <a:extLst>
-              <a:ext uri="{FF2B5EF4-FFF2-40B4-BE49-F238E27FC236}">
-                <a16:creationId xmlns:a16="http://schemas.microsoft.com/office/drawing/2014/main" id="{7B0F556F-1997-E008-CEA3-C7B99BB51A5E}"/>
-              </a:ext>
-            </a:extLst>
-          </p:cNvPr>
-          <p:cNvSpPr>
-            <a:spLocks noGrp="1"/>
-          </p:cNvSpPr>
-          <p:nvPr>
-            <p:ph idx="1"/>
-          </p:nvPr>
-        </p:nvSpPr>
-        <p:spPr/>
-        <p:txBody>
-          <a:bodyPr/>
-          <a:lstStyle/>
-          <a:p>
-            <a:r>
-              <a:rPr lang="en-US" dirty="0"/>
-              <a:t>So far, other than defining a few classes to support our simulations, we have written the bulk of our programs in the main.cpp file</a:t>
-            </a:r>
-          </a:p>
-          <a:p>
-            <a:endParaRPr lang="en-US" dirty="0"/>
-          </a:p>
-          <a:p>
-            <a:r>
-              <a:rPr lang="en-US" dirty="0"/>
-              <a:t>The flow of our simulations is dictated by the code in the </a:t>
-            </a:r>
-            <a:r>
-              <a:rPr lang="en-US" i="1" dirty="0"/>
-              <a:t>main</a:t>
-            </a:r>
-            <a:r>
-              <a:rPr lang="en-US" dirty="0"/>
-              <a:t> function</a:t>
-            </a:r>
-          </a:p>
-          <a:p>
-            <a:endParaRPr lang="en-US" i="1" dirty="0"/>
-          </a:p>
-          <a:p>
-            <a:r>
-              <a:rPr lang="en-US" dirty="0"/>
-              <a:t>But what if do not have, or even want, a </a:t>
-            </a:r>
-            <a:r>
-              <a:rPr lang="en-US" i="1" dirty="0"/>
-              <a:t>main </a:t>
-            </a:r>
-            <a:r>
-              <a:rPr lang="en-US" dirty="0"/>
-              <a:t>function?</a:t>
-            </a:r>
-          </a:p>
-          <a:p>
-            <a:pPr marL="457200" lvl="1" indent="0">
-              <a:buNone/>
-            </a:pPr>
-            <a:endParaRPr lang="en-US" dirty="0"/>
-          </a:p>
-        </p:txBody>
-      </p:sp>
-    </p:spTree>
-    <p:extLst>
-      <p:ext uri="{BB962C8B-B14F-4D97-AF65-F5344CB8AC3E}">
-        <p14:creationId xmlns:p14="http://schemas.microsoft.com/office/powerpoint/2010/main" val="4143248433"/>
-      </p:ext>
-    </p:extLst>
-  </p:cSld>
-  <p:clrMapOvr>
-    <a:masterClrMapping/>
-  </p:clrMapOvr>
-</p:sld>
-</file>
-
-<file path=ppt/slides/slide9.xml><?xml version="1.0" encoding="utf-8"?>
-<p:sld xmlns:a="http://schemas.openxmlformats.org/drawingml/2006/main" xmlns:r="http://schemas.openxmlformats.org/officeDocument/2006/relationships" xmlns:p="http://schemas.openxmlformats.org/presentationml/2006/main">
-  <p:cSld>
-    <p:spTree>
-      <p:nvGrpSpPr>
-        <p:cNvPr id="1" name="">
-          <a:extLst>
-            <a:ext uri="{FF2B5EF4-FFF2-40B4-BE49-F238E27FC236}">
-              <a16:creationId xmlns:a16="http://schemas.microsoft.com/office/drawing/2014/main" id="{73AAFFE7-3CD8-CD65-C644-5CB9AFF7F01F}"/>
-            </a:ext>
-          </a:extLst>
-        </p:cNvPr>
-        <p:cNvGrpSpPr/>
-        <p:nvPr/>
-      </p:nvGrpSpPr>
-      <p:grpSpPr>
-        <a:xfrm>
-          <a:off x="0" y="0"/>
-          <a:ext cx="0" cy="0"/>
-          <a:chOff x="0" y="0"/>
-          <a:chExt cx="0" cy="0"/>
-        </a:xfrm>
-      </p:grpSpPr>
-      <p:sp>
-        <p:nvSpPr>
-          <p:cNvPr id="2" name="Title 1">
-            <a:extLst>
-              <a:ext uri="{FF2B5EF4-FFF2-40B4-BE49-F238E27FC236}">
-                <a16:creationId xmlns:a16="http://schemas.microsoft.com/office/drawing/2014/main" id="{D61511F0-B97F-FAB4-6972-B2B3CBF8176F}"/>
-              </a:ext>
-            </a:extLst>
-          </p:cNvPr>
-          <p:cNvSpPr>
-            <a:spLocks noGrp="1"/>
-          </p:cNvSpPr>
-          <p:nvPr>
-            <p:ph type="title"/>
-          </p:nvPr>
-        </p:nvSpPr>
-        <p:spPr/>
-        <p:txBody>
-          <a:bodyPr/>
-          <a:lstStyle/>
-          <a:p>
-            <a:r>
-              <a:rPr lang="en-US" dirty="0"/>
-              <a:t>Encapsulation within a Model</a:t>
-            </a:r>
-          </a:p>
-        </p:txBody>
-      </p:sp>
-      <p:sp>
-        <p:nvSpPr>
-          <p:cNvPr id="3" name="Content Placeholder 2">
-            <a:extLst>
-              <a:ext uri="{FF2B5EF4-FFF2-40B4-BE49-F238E27FC236}">
-                <a16:creationId xmlns:a16="http://schemas.microsoft.com/office/drawing/2014/main" id="{BE878785-7D97-BB0F-22C9-69A72C850F3D}"/>
-              </a:ext>
-            </a:extLst>
-          </p:cNvPr>
-          <p:cNvSpPr>
-            <a:spLocks noGrp="1"/>
-          </p:cNvSpPr>
-          <p:nvPr>
-            <p:ph idx="1"/>
-          </p:nvPr>
-        </p:nvSpPr>
-        <p:spPr/>
-        <p:txBody>
-          <a:bodyPr>
-            <a:normAutofit fontScale="92500" lnSpcReduction="10000"/>
-          </a:bodyPr>
-          <a:lstStyle/>
-          <a:p>
-            <a:r>
-              <a:rPr lang="en-US" dirty="0"/>
-              <a:t>We can implement a class that we call </a:t>
-            </a:r>
-            <a:r>
-              <a:rPr lang="en-US" i="1" dirty="0"/>
-              <a:t>the model</a:t>
-            </a:r>
-            <a:endParaRPr lang="en-US" dirty="0"/>
-          </a:p>
-          <a:p>
-            <a:endParaRPr lang="en-US" dirty="0"/>
-          </a:p>
-          <a:p>
-            <a:r>
-              <a:rPr lang="en-US" dirty="0"/>
-              <a:t>This class will hold onto and manage the entire state of the simulation, as well as control the logical flow of the simulation.</a:t>
-            </a:r>
-          </a:p>
-          <a:p>
-            <a:endParaRPr lang="en-US" dirty="0"/>
-          </a:p>
-          <a:p>
-            <a:r>
-              <a:rPr lang="en-US" dirty="0"/>
-              <a:t>This is everything that our main function has been doing, but instead that code is tucked away into a class.</a:t>
-            </a:r>
-          </a:p>
-          <a:p>
-            <a:pPr lvl="1"/>
-            <a:r>
-              <a:rPr lang="en-US" dirty="0"/>
-              <a:t>It will create our entities, environment, manage time, etc..</a:t>
-            </a:r>
-          </a:p>
-          <a:p>
-            <a:pPr lvl="1"/>
-            <a:r>
-              <a:rPr lang="en-US" dirty="0"/>
-              <a:t>It handles </a:t>
-            </a:r>
-            <a:r>
-              <a:rPr lang="en-US" u="sng" dirty="0"/>
-              <a:t>everything</a:t>
-            </a:r>
-          </a:p>
-          <a:p>
-            <a:endParaRPr lang="en-US" dirty="0"/>
-          </a:p>
-          <a:p>
-            <a:r>
-              <a:rPr lang="en-US" dirty="0"/>
-              <a:t>Therefore, </a:t>
-            </a:r>
-            <a:r>
-              <a:rPr lang="en-US" i="1" dirty="0"/>
-              <a:t>assuming we even have a main function</a:t>
-            </a:r>
-            <a:r>
-              <a:rPr lang="en-US" dirty="0"/>
-              <a:t>, all it would do it create a model and interact with it.</a:t>
-            </a:r>
-          </a:p>
-        </p:txBody>
-      </p:sp>
-    </p:spTree>
-    <p:extLst>
-      <p:ext uri="{BB962C8B-B14F-4D97-AF65-F5344CB8AC3E}">
-        <p14:creationId xmlns:p14="http://schemas.microsoft.com/office/powerpoint/2010/main" val="1803222905"/>
       </p:ext>
     </p:extLst>
   </p:cSld>
